--- a/Introduction au DevOps.pptx
+++ b/Introduction au DevOps.pptx
@@ -8,12 +8,18 @@
     <p:sldMasterId id="2147483743" r:id="rId4"/>
   </p:sldMasterIdLst>
   <p:notesMasterIdLst>
-    <p:notesMasterId r:id="rId8"/>
+    <p:notesMasterId r:id="rId14"/>
   </p:notesMasterIdLst>
   <p:sldIdLst>
     <p:sldId id="273" r:id="rId5"/>
     <p:sldId id="307" r:id="rId6"/>
-    <p:sldId id="275" r:id="rId7"/>
+    <p:sldId id="308" r:id="rId7"/>
+    <p:sldId id="309" r:id="rId8"/>
+    <p:sldId id="310" r:id="rId9"/>
+    <p:sldId id="312" r:id="rId10"/>
+    <p:sldId id="313" r:id="rId11"/>
+    <p:sldId id="311" r:id="rId12"/>
+    <p:sldId id="275" r:id="rId13"/>
   </p:sldIdLst>
   <p:sldSz cx="12192000" cy="6858000"/>
   <p:notesSz cx="6858000" cy="9144000"/>
@@ -568,6 +574,113 @@
     <p:extLst>
       <p:ext uri="{BB962C8B-B14F-4D97-AF65-F5344CB8AC3E}">
         <p14:creationId xmlns:p14="http://schemas.microsoft.com/office/powerpoint/2010/main" val="1496203374"/>
+      </p:ext>
+    </p:extLst>
+  </p:cSld>
+  <p:clrMapOvr>
+    <a:masterClrMapping/>
+  </p:clrMapOvr>
+</p:notes>
+</file>
+
+<file path=ppt/notesSlides/notesSlide2.xml><?xml version="1.0" encoding="utf-8"?>
+<p:notes xmlns:a="http://schemas.openxmlformats.org/drawingml/2006/main" xmlns:r="http://schemas.openxmlformats.org/officeDocument/2006/relationships" xmlns:p="http://schemas.openxmlformats.org/presentationml/2006/main">
+  <p:cSld>
+    <p:spTree>
+      <p:nvGrpSpPr>
+        <p:cNvPr id="1" name=""/>
+        <p:cNvGrpSpPr/>
+        <p:nvPr/>
+      </p:nvGrpSpPr>
+      <p:grpSpPr>
+        <a:xfrm>
+          <a:off x="0" y="0"/>
+          <a:ext cx="0" cy="0"/>
+          <a:chOff x="0" y="0"/>
+          <a:chExt cx="0" cy="0"/>
+        </a:xfrm>
+      </p:grpSpPr>
+      <p:sp>
+        <p:nvSpPr>
+          <p:cNvPr id="2" name="Espace réservé de l'image des diapositives 1"/>
+          <p:cNvSpPr>
+            <a:spLocks noGrp="1" noRot="1" noChangeAspect="1"/>
+          </p:cNvSpPr>
+          <p:nvPr>
+            <p:ph type="sldImg"/>
+          </p:nvPr>
+        </p:nvSpPr>
+        <p:spPr/>
+      </p:sp>
+      <p:sp>
+        <p:nvSpPr>
+          <p:cNvPr id="3" name="Espace réservé des notes 2"/>
+          <p:cNvSpPr>
+            <a:spLocks noGrp="1"/>
+          </p:cNvSpPr>
+          <p:nvPr>
+            <p:ph type="body" idx="1"/>
+          </p:nvPr>
+        </p:nvSpPr>
+        <p:spPr/>
+        <p:txBody>
+          <a:bodyPr/>
+          <a:lstStyle/>
+          <a:p>
+            <a:pPr marL="0" marR="0" lvl="0" indent="0" algn="just" defTabSz="914400" rtl="0" eaLnBrk="0" fontAlgn="base" latinLnBrk="0" hangingPunct="0">
+              <a:lnSpc>
+                <a:spcPct val="100000"/>
+              </a:lnSpc>
+              <a:spcBef>
+                <a:spcPct val="0"/>
+              </a:spcBef>
+              <a:spcAft>
+                <a:spcPts val="0"/>
+              </a:spcAft>
+              <a:buClrTx/>
+              <a:buSzTx/>
+              <a:buFontTx/>
+              <a:buNone/>
+              <a:tabLst>
+                <a:tab pos="1077913" algn="l"/>
+              </a:tabLst>
+              <a:defRPr/>
+            </a:pPr>
+            <a:endParaRPr lang="fr-FR" sz="1200" dirty="0" smtClean="0">
+              <a:solidFill>
+                <a:schemeClr val="tx1"/>
+              </a:solidFill>
+            </a:endParaRPr>
+          </a:p>
+        </p:txBody>
+      </p:sp>
+      <p:sp>
+        <p:nvSpPr>
+          <p:cNvPr id="4" name="Espace réservé du numéro de diapositive 3"/>
+          <p:cNvSpPr>
+            <a:spLocks noGrp="1"/>
+          </p:cNvSpPr>
+          <p:nvPr>
+            <p:ph type="sldNum" sz="quarter" idx="10"/>
+          </p:nvPr>
+        </p:nvSpPr>
+        <p:spPr/>
+        <p:txBody>
+          <a:bodyPr/>
+          <a:lstStyle/>
+          <a:p>
+            <a:fld id="{727F93B5-4E85-4650-9241-D22F49D3154E}" type="slidenum">
+              <a:rPr lang="fr-FR" smtClean="0"/>
+              <a:t>3</a:t>
+            </a:fld>
+            <a:endParaRPr lang="fr-FR"/>
+          </a:p>
+        </p:txBody>
+      </p:sp>
+    </p:spTree>
+    <p:extLst>
+      <p:ext uri="{BB962C8B-B14F-4D97-AF65-F5344CB8AC3E}">
+        <p14:creationId xmlns:p14="http://schemas.microsoft.com/office/powerpoint/2010/main" val="2857463623"/>
       </p:ext>
     </p:extLst>
   </p:cSld>
@@ -51093,14 +51206,14 @@
       </p:sp>
       <p:sp>
         <p:nvSpPr>
-          <p:cNvPr id="3" name="ZoneTexte 2"/>
+          <p:cNvPr id="4" name="ZoneTexte 3"/>
           <p:cNvSpPr txBox="1"/>
           <p:nvPr/>
         </p:nvSpPr>
         <p:spPr>
           <a:xfrm>
-            <a:off x="511908" y="1838079"/>
-            <a:ext cx="8821278" cy="1015663"/>
+            <a:off x="625642" y="1982804"/>
+            <a:ext cx="8653112" cy="2677656"/>
           </a:xfrm>
           <a:prstGeom prst="rect">
             <a:avLst/>
@@ -51113,20 +51226,66 @@
           </a:bodyPr>
           <a:lstStyle/>
           <a:p>
-            <a:r>
-              <a:rPr lang="fr-FR" sz="2000" dirty="0" smtClean="0"/>
-              <a:t>1 – Présentation de Git &amp; de l’application</a:t>
-            </a:r>
-          </a:p>
-          <a:p>
-            <a:endParaRPr lang="fr-FR" sz="2000" dirty="0" smtClean="0"/>
-          </a:p>
-          <a:p>
-            <a:r>
-              <a:rPr lang="fr-FR" sz="2000" dirty="0" smtClean="0"/>
-              <a:t>2 - </a:t>
-            </a:r>
-            <a:endParaRPr lang="fr-FR" sz="2000" dirty="0"/>
+            <a:pPr marL="342900" indent="-342900">
+              <a:buFont typeface="+mj-lt"/>
+              <a:buAutoNum type="arabicPeriod"/>
+            </a:pPr>
+            <a:r>
+              <a:rPr lang="fr-FR" sz="2400" dirty="0" smtClean="0"/>
+              <a:t>Présentation de Git</a:t>
+            </a:r>
+          </a:p>
+          <a:p>
+            <a:pPr marL="342900" indent="-342900">
+              <a:buFont typeface="+mj-lt"/>
+              <a:buAutoNum type="arabicPeriod"/>
+            </a:pPr>
+            <a:endParaRPr lang="fr-FR" sz="2400" dirty="0" smtClean="0"/>
+          </a:p>
+          <a:p>
+            <a:pPr marL="342900" indent="-342900">
+              <a:buFont typeface="+mj-lt"/>
+              <a:buAutoNum type="arabicPeriod"/>
+            </a:pPr>
+            <a:r>
+              <a:rPr lang="fr-FR" sz="2400" dirty="0" smtClean="0"/>
+              <a:t>Présentation de l’application</a:t>
+            </a:r>
+          </a:p>
+          <a:p>
+            <a:pPr marL="342900" indent="-342900">
+              <a:buFont typeface="+mj-lt"/>
+              <a:buAutoNum type="arabicPeriod"/>
+            </a:pPr>
+            <a:endParaRPr lang="fr-FR" sz="2400" dirty="0" smtClean="0"/>
+          </a:p>
+          <a:p>
+            <a:pPr marL="342900" indent="-342900">
+              <a:buFont typeface="+mj-lt"/>
+              <a:buAutoNum type="arabicPeriod"/>
+            </a:pPr>
+            <a:r>
+              <a:rPr lang="fr-FR" sz="2400" dirty="0" smtClean="0"/>
+              <a:t>TP</a:t>
+            </a:r>
+          </a:p>
+          <a:p>
+            <a:pPr marL="342900" indent="-342900">
+              <a:buFont typeface="+mj-lt"/>
+              <a:buAutoNum type="arabicPeriod"/>
+            </a:pPr>
+            <a:endParaRPr lang="fr-FR" sz="2400" dirty="0" smtClean="0"/>
+          </a:p>
+          <a:p>
+            <a:pPr marL="342900" indent="-342900">
+              <a:buFont typeface="+mj-lt"/>
+              <a:buAutoNum type="arabicPeriod"/>
+            </a:pPr>
+            <a:r>
+              <a:rPr lang="fr-FR" sz="2400" dirty="0" smtClean="0"/>
+              <a:t>REX </a:t>
+            </a:r>
+            <a:endParaRPr lang="fr-FR" sz="2400" dirty="0"/>
           </a:p>
         </p:txBody>
       </p:sp>
@@ -51177,6 +51336,1224 @@
       </p:grpSpPr>
       <p:sp>
         <p:nvSpPr>
+          <p:cNvPr id="2" name="Espace réservé du pied de page 1"/>
+          <p:cNvSpPr>
+            <a:spLocks noGrp="1"/>
+          </p:cNvSpPr>
+          <p:nvPr>
+            <p:ph type="ftr" sz="quarter" idx="3"/>
+          </p:nvPr>
+        </p:nvSpPr>
+        <p:spPr/>
+        <p:txBody>
+          <a:bodyPr/>
+          <a:lstStyle/>
+          <a:p>
+            <a:r>
+              <a:rPr lang="en-US" smtClean="0"/>
+              <a:t>2024 | ©HeadMind Partners Cyber Risk &amp; Security</a:t>
+            </a:r>
+            <a:endParaRPr lang="fr-FR"/>
+          </a:p>
+        </p:txBody>
+      </p:sp>
+      <p:sp>
+        <p:nvSpPr>
+          <p:cNvPr id="9" name="Espace réservé du numéro de diapositive 8"/>
+          <p:cNvSpPr>
+            <a:spLocks noGrp="1"/>
+          </p:cNvSpPr>
+          <p:nvPr>
+            <p:ph type="sldNum" sz="quarter" idx="4"/>
+          </p:nvPr>
+        </p:nvSpPr>
+        <p:spPr/>
+        <p:txBody>
+          <a:bodyPr/>
+          <a:lstStyle/>
+          <a:p>
+            <a:fld id="{7A69F57E-7D44-44A2-91E4-4BFC1619727A}" type="slidenum">
+              <a:rPr lang="fr-FR" smtClean="0"/>
+              <a:t>3</a:t>
+            </a:fld>
+            <a:endParaRPr lang="fr-FR"/>
+          </a:p>
+        </p:txBody>
+      </p:sp>
+      <p:sp>
+        <p:nvSpPr>
+          <p:cNvPr id="21" name="Titre 3"/>
+          <p:cNvSpPr txBox="1">
+            <a:spLocks/>
+          </p:cNvSpPr>
+          <p:nvPr/>
+        </p:nvSpPr>
+        <p:spPr bwMode="auto">
+          <a:xfrm>
+            <a:off x="470384" y="197883"/>
+            <a:ext cx="11153041" cy="865186"/>
+          </a:xfrm>
+          <a:prstGeom prst="rect">
+            <a:avLst/>
+          </a:prstGeom>
+          <a:noFill/>
+          <a:ln w="9525">
+            <a:noFill/>
+            <a:miter lim="800000"/>
+            <a:headEnd/>
+            <a:tailEnd/>
+          </a:ln>
+        </p:spPr>
+        <p:txBody>
+          <a:bodyPr vert="horz" wrap="square" lIns="91440" tIns="36000" rIns="91440" bIns="36000" numCol="1" anchor="b" anchorCtr="0" compatLnSpc="1">
+            <a:prstTxWarp prst="textNoShape">
+              <a:avLst/>
+            </a:prstTxWarp>
+            <a:normAutofit/>
+          </a:bodyPr>
+          <a:lstStyle>
+            <a:lvl1pPr algn="l" rtl="0" eaLnBrk="1" fontAlgn="base" hangingPunct="1">
+              <a:spcBef>
+                <a:spcPct val="0"/>
+              </a:spcBef>
+              <a:spcAft>
+                <a:spcPct val="0"/>
+              </a:spcAft>
+              <a:defRPr sz="2800" b="0" i="0" kern="1200" baseline="0">
+                <a:solidFill>
+                  <a:schemeClr val="tx1"/>
+                </a:solidFill>
+                <a:latin typeface="Franklin Gothic Book" panose="020B0503020102020204" pitchFamily="34" charset="0"/>
+                <a:ea typeface="+mj-ea"/>
+                <a:cs typeface="Franklin Gothic Book" panose="020B0503020102020204" pitchFamily="34" charset="0"/>
+              </a:defRPr>
+            </a:lvl1pPr>
+            <a:lvl2pPr algn="ctr" rtl="0" eaLnBrk="1" fontAlgn="base" hangingPunct="1">
+              <a:spcBef>
+                <a:spcPct val="0"/>
+              </a:spcBef>
+              <a:spcAft>
+                <a:spcPct val="0"/>
+              </a:spcAft>
+              <a:defRPr sz="4400">
+                <a:solidFill>
+                  <a:schemeClr val="tx1"/>
+                </a:solidFill>
+                <a:latin typeface="Calibri" pitchFamily="34" charset="0"/>
+              </a:defRPr>
+            </a:lvl2pPr>
+            <a:lvl3pPr algn="ctr" rtl="0" eaLnBrk="1" fontAlgn="base" hangingPunct="1">
+              <a:spcBef>
+                <a:spcPct val="0"/>
+              </a:spcBef>
+              <a:spcAft>
+                <a:spcPct val="0"/>
+              </a:spcAft>
+              <a:defRPr sz="4400">
+                <a:solidFill>
+                  <a:schemeClr val="tx1"/>
+                </a:solidFill>
+                <a:latin typeface="Calibri" pitchFamily="34" charset="0"/>
+              </a:defRPr>
+            </a:lvl3pPr>
+            <a:lvl4pPr algn="ctr" rtl="0" eaLnBrk="1" fontAlgn="base" hangingPunct="1">
+              <a:spcBef>
+                <a:spcPct val="0"/>
+              </a:spcBef>
+              <a:spcAft>
+                <a:spcPct val="0"/>
+              </a:spcAft>
+              <a:defRPr sz="4400">
+                <a:solidFill>
+                  <a:schemeClr val="tx1"/>
+                </a:solidFill>
+                <a:latin typeface="Calibri" pitchFamily="34" charset="0"/>
+              </a:defRPr>
+            </a:lvl4pPr>
+            <a:lvl5pPr algn="ctr" rtl="0" eaLnBrk="1" fontAlgn="base" hangingPunct="1">
+              <a:spcBef>
+                <a:spcPct val="0"/>
+              </a:spcBef>
+              <a:spcAft>
+                <a:spcPct val="0"/>
+              </a:spcAft>
+              <a:defRPr sz="4400">
+                <a:solidFill>
+                  <a:schemeClr val="tx1"/>
+                </a:solidFill>
+                <a:latin typeface="Calibri" pitchFamily="34" charset="0"/>
+              </a:defRPr>
+            </a:lvl5pPr>
+            <a:lvl6pPr marL="457200" algn="ctr" rtl="0" eaLnBrk="1" fontAlgn="base" hangingPunct="1">
+              <a:spcBef>
+                <a:spcPct val="0"/>
+              </a:spcBef>
+              <a:spcAft>
+                <a:spcPct val="0"/>
+              </a:spcAft>
+              <a:defRPr sz="4400">
+                <a:solidFill>
+                  <a:schemeClr val="tx1"/>
+                </a:solidFill>
+                <a:latin typeface="Calibri" pitchFamily="34" charset="0"/>
+              </a:defRPr>
+            </a:lvl6pPr>
+            <a:lvl7pPr marL="914400" algn="ctr" rtl="0" eaLnBrk="1" fontAlgn="base" hangingPunct="1">
+              <a:spcBef>
+                <a:spcPct val="0"/>
+              </a:spcBef>
+              <a:spcAft>
+                <a:spcPct val="0"/>
+              </a:spcAft>
+              <a:defRPr sz="4400">
+                <a:solidFill>
+                  <a:schemeClr val="tx1"/>
+                </a:solidFill>
+                <a:latin typeface="Calibri" pitchFamily="34" charset="0"/>
+              </a:defRPr>
+            </a:lvl7pPr>
+            <a:lvl8pPr marL="1371600" algn="ctr" rtl="0" eaLnBrk="1" fontAlgn="base" hangingPunct="1">
+              <a:spcBef>
+                <a:spcPct val="0"/>
+              </a:spcBef>
+              <a:spcAft>
+                <a:spcPct val="0"/>
+              </a:spcAft>
+              <a:defRPr sz="4400">
+                <a:solidFill>
+                  <a:schemeClr val="tx1"/>
+                </a:solidFill>
+                <a:latin typeface="Calibri" pitchFamily="34" charset="0"/>
+              </a:defRPr>
+            </a:lvl8pPr>
+            <a:lvl9pPr marL="1828800" algn="ctr" rtl="0" eaLnBrk="1" fontAlgn="base" hangingPunct="1">
+              <a:spcBef>
+                <a:spcPct val="0"/>
+              </a:spcBef>
+              <a:spcAft>
+                <a:spcPct val="0"/>
+              </a:spcAft>
+              <a:defRPr sz="4400">
+                <a:solidFill>
+                  <a:schemeClr val="tx1"/>
+                </a:solidFill>
+                <a:latin typeface="Calibri" pitchFamily="34" charset="0"/>
+              </a:defRPr>
+            </a:lvl9pPr>
+          </a:lstStyle>
+          <a:p>
+            <a:r>
+              <a:rPr lang="fr-FR" dirty="0"/>
+              <a:t>Présentation </a:t>
+            </a:r>
+            <a:r>
+              <a:rPr lang="fr-FR" dirty="0" smtClean="0"/>
+              <a:t>de Git</a:t>
+            </a:r>
+            <a:endParaRPr lang="fr-FR" dirty="0"/>
+          </a:p>
+        </p:txBody>
+      </p:sp>
+      <p:pic>
+        <p:nvPicPr>
+          <p:cNvPr id="1026" name="Picture 2" descr="GitHub Logo : histoire, signification de l'emblème"/>
+          <p:cNvPicPr>
+            <a:picLocks noChangeAspect="1" noChangeArrowheads="1"/>
+          </p:cNvPicPr>
+          <p:nvPr/>
+        </p:nvPicPr>
+        <p:blipFill>
+          <a:blip r:embed="rId3" cstate="print">
+            <a:extLst>
+              <a:ext uri="{28A0092B-C50C-407E-A947-70E740481C1C}">
+                <a14:useLocalDpi xmlns:a14="http://schemas.microsoft.com/office/drawing/2010/main" val="0"/>
+              </a:ext>
+            </a:extLst>
+          </a:blip>
+          <a:srcRect/>
+          <a:stretch>
+            <a:fillRect/>
+          </a:stretch>
+        </p:blipFill>
+        <p:spPr bwMode="auto">
+          <a:xfrm>
+            <a:off x="772391" y="3142671"/>
+            <a:ext cx="2883264" cy="1621836"/>
+          </a:xfrm>
+          <a:prstGeom prst="rect">
+            <a:avLst/>
+          </a:prstGeom>
+          <a:noFill/>
+          <a:extLst>
+            <a:ext uri="{909E8E84-426E-40DD-AFC4-6F175D3DCCD1}">
+              <a14:hiddenFill xmlns:a14="http://schemas.microsoft.com/office/drawing/2010/main">
+                <a:solidFill>
+                  <a:srgbClr val="FFFFFF"/>
+                </a:solidFill>
+              </a14:hiddenFill>
+            </a:ext>
+          </a:extLst>
+        </p:spPr>
+      </p:pic>
+      <p:pic>
+        <p:nvPicPr>
+          <p:cNvPr id="5" name="Image 4"/>
+          <p:cNvPicPr>
+            <a:picLocks noChangeAspect="1"/>
+          </p:cNvPicPr>
+          <p:nvPr/>
+        </p:nvPicPr>
+        <p:blipFill>
+          <a:blip r:embed="rId4"/>
+          <a:stretch>
+            <a:fillRect/>
+          </a:stretch>
+        </p:blipFill>
+        <p:spPr>
+          <a:xfrm>
+            <a:off x="4812631" y="2268276"/>
+            <a:ext cx="5511164" cy="3877110"/>
+          </a:xfrm>
+          <a:prstGeom prst="rect">
+            <a:avLst/>
+          </a:prstGeom>
+        </p:spPr>
+      </p:pic>
+      <p:pic>
+        <p:nvPicPr>
+          <p:cNvPr id="6" name="Image 5"/>
+          <p:cNvPicPr>
+            <a:picLocks noChangeAspect="1"/>
+          </p:cNvPicPr>
+          <p:nvPr/>
+        </p:nvPicPr>
+        <p:blipFill>
+          <a:blip r:embed="rId5"/>
+          <a:stretch>
+            <a:fillRect/>
+          </a:stretch>
+        </p:blipFill>
+        <p:spPr>
+          <a:xfrm>
+            <a:off x="3058126" y="1224823"/>
+            <a:ext cx="9020175" cy="1000125"/>
+          </a:xfrm>
+          <a:prstGeom prst="rect">
+            <a:avLst/>
+          </a:prstGeom>
+        </p:spPr>
+      </p:pic>
+    </p:spTree>
+    <p:extLst>
+      <p:ext uri="{BB962C8B-B14F-4D97-AF65-F5344CB8AC3E}">
+        <p14:creationId xmlns:p14="http://schemas.microsoft.com/office/powerpoint/2010/main" val="130410193"/>
+      </p:ext>
+    </p:extLst>
+  </p:cSld>
+  <p:clrMapOvr>
+    <a:masterClrMapping/>
+  </p:clrMapOvr>
+  <mc:AlternateContent xmlns:mc="http://schemas.openxmlformats.org/markup-compatibility/2006" xmlns:p14="http://schemas.microsoft.com/office/powerpoint/2010/main">
+    <mc:Choice Requires="p14">
+      <p:transition p14:dur="10"/>
+    </mc:Choice>
+    <mc:Fallback xmlns="">
+      <p:transition/>
+    </mc:Fallback>
+  </mc:AlternateContent>
+  <p:timing>
+    <p:tnLst>
+      <p:par>
+        <p:cTn id="1" dur="indefinite" restart="never" nodeType="tmRoot"/>
+      </p:par>
+    </p:tnLst>
+  </p:timing>
+</p:sld>
+</file>
+
+<file path=ppt/slides/slide4.xml><?xml version="1.0" encoding="utf-8"?>
+<p:sld xmlns:a="http://schemas.openxmlformats.org/drawingml/2006/main" xmlns:r="http://schemas.openxmlformats.org/officeDocument/2006/relationships" xmlns:p="http://schemas.openxmlformats.org/presentationml/2006/main">
+  <p:cSld>
+    <p:spTree>
+      <p:nvGrpSpPr>
+        <p:cNvPr id="1" name=""/>
+        <p:cNvGrpSpPr/>
+        <p:nvPr/>
+      </p:nvGrpSpPr>
+      <p:grpSpPr>
+        <a:xfrm>
+          <a:off x="0" y="0"/>
+          <a:ext cx="0" cy="0"/>
+          <a:chOff x="0" y="0"/>
+          <a:chExt cx="0" cy="0"/>
+        </a:xfrm>
+      </p:grpSpPr>
+      <p:sp>
+        <p:nvSpPr>
+          <p:cNvPr id="2" name="Titre 1"/>
+          <p:cNvSpPr>
+            <a:spLocks noGrp="1"/>
+          </p:cNvSpPr>
+          <p:nvPr>
+            <p:ph type="title"/>
+          </p:nvPr>
+        </p:nvSpPr>
+        <p:spPr/>
+        <p:txBody>
+          <a:bodyPr/>
+          <a:lstStyle/>
+          <a:p>
+            <a:r>
+              <a:rPr lang="fr-FR" dirty="0"/>
+              <a:t>Présentation </a:t>
+            </a:r>
+            <a:r>
+              <a:rPr lang="fr-FR" dirty="0" smtClean="0"/>
+              <a:t>de Git</a:t>
+            </a:r>
+            <a:endParaRPr lang="fr-FR" dirty="0"/>
+          </a:p>
+        </p:txBody>
+      </p:sp>
+      <p:sp>
+        <p:nvSpPr>
+          <p:cNvPr id="4" name="Espace réservé du numéro de diapositive 3"/>
+          <p:cNvSpPr>
+            <a:spLocks noGrp="1"/>
+          </p:cNvSpPr>
+          <p:nvPr>
+            <p:ph type="sldNum" sz="quarter" idx="4"/>
+          </p:nvPr>
+        </p:nvSpPr>
+        <p:spPr/>
+        <p:txBody>
+          <a:bodyPr/>
+          <a:lstStyle/>
+          <a:p>
+            <a:pPr>
+              <a:defRPr/>
+            </a:pPr>
+            <a:fld id="{F4FEB08F-923E-484A-9FC5-0AA7BDA29BD6}" type="slidenum">
+              <a:rPr lang="fr-FR" smtClean="0"/>
+              <a:pPr>
+                <a:defRPr/>
+              </a:pPr>
+              <a:t>4</a:t>
+            </a:fld>
+            <a:endParaRPr lang="fr-FR" dirty="0"/>
+          </a:p>
+        </p:txBody>
+      </p:sp>
+      <p:sp>
+        <p:nvSpPr>
+          <p:cNvPr id="5" name="Espace réservé du pied de page 4"/>
+          <p:cNvSpPr>
+            <a:spLocks noGrp="1"/>
+          </p:cNvSpPr>
+          <p:nvPr>
+            <p:ph type="ftr" sz="quarter" idx="3"/>
+          </p:nvPr>
+        </p:nvSpPr>
+        <p:spPr/>
+        <p:txBody>
+          <a:bodyPr/>
+          <a:lstStyle/>
+          <a:p>
+            <a:r>
+              <a:rPr lang="fr-FR" smtClean="0"/>
+              <a:t>2024 | ©HeadMind Partners Cyber Risk &amp; Security </a:t>
+            </a:r>
+            <a:endParaRPr lang="fr-FR" dirty="0"/>
+          </a:p>
+        </p:txBody>
+      </p:sp>
+      <p:pic>
+        <p:nvPicPr>
+          <p:cNvPr id="6" name="Image 5"/>
+          <p:cNvPicPr>
+            <a:picLocks noChangeAspect="1"/>
+          </p:cNvPicPr>
+          <p:nvPr/>
+        </p:nvPicPr>
+        <p:blipFill rotWithShape="1">
+          <a:blip r:embed="rId2"/>
+          <a:srcRect b="93709"/>
+          <a:stretch/>
+        </p:blipFill>
+        <p:spPr>
+          <a:xfrm>
+            <a:off x="511908" y="2074698"/>
+            <a:ext cx="8864982" cy="370118"/>
+          </a:xfrm>
+          <a:prstGeom prst="rect">
+            <a:avLst/>
+          </a:prstGeom>
+        </p:spPr>
+      </p:pic>
+      <p:pic>
+        <p:nvPicPr>
+          <p:cNvPr id="12" name="Image 11"/>
+          <p:cNvPicPr>
+            <a:picLocks noChangeAspect="1"/>
+          </p:cNvPicPr>
+          <p:nvPr/>
+        </p:nvPicPr>
+        <p:blipFill rotWithShape="1">
+          <a:blip r:embed="rId2"/>
+          <a:srcRect t="6484" b="33038"/>
+          <a:stretch/>
+        </p:blipFill>
+        <p:spPr>
+          <a:xfrm>
+            <a:off x="511908" y="3012708"/>
+            <a:ext cx="7481743" cy="3003082"/>
+          </a:xfrm>
+          <a:prstGeom prst="rect">
+            <a:avLst/>
+          </a:prstGeom>
+        </p:spPr>
+      </p:pic>
+      <p:sp>
+        <p:nvSpPr>
+          <p:cNvPr id="13" name="ZoneTexte 12"/>
+          <p:cNvSpPr txBox="1"/>
+          <p:nvPr/>
+        </p:nvSpPr>
+        <p:spPr>
+          <a:xfrm>
+            <a:off x="511908" y="2576362"/>
+            <a:ext cx="3185962" cy="369332"/>
+          </a:xfrm>
+          <a:prstGeom prst="rect">
+            <a:avLst/>
+          </a:prstGeom>
+          <a:noFill/>
+        </p:spPr>
+        <p:txBody>
+          <a:bodyPr wrap="square" rtlCol="0">
+            <a:spAutoFit/>
+          </a:bodyPr>
+          <a:lstStyle/>
+          <a:p>
+            <a:r>
+              <a:rPr lang="fr-FR" dirty="0" smtClean="0"/>
+              <a:t>git commit –m « message »</a:t>
+            </a:r>
+            <a:endParaRPr lang="fr-FR" dirty="0"/>
+          </a:p>
+        </p:txBody>
+      </p:sp>
+      <p:sp>
+        <p:nvSpPr>
+          <p:cNvPr id="14" name="ZoneTexte 13"/>
+          <p:cNvSpPr txBox="1"/>
+          <p:nvPr/>
+        </p:nvSpPr>
+        <p:spPr>
+          <a:xfrm>
+            <a:off x="511908" y="1705366"/>
+            <a:ext cx="3185962" cy="369332"/>
+          </a:xfrm>
+          <a:prstGeom prst="rect">
+            <a:avLst/>
+          </a:prstGeom>
+          <a:noFill/>
+        </p:spPr>
+        <p:txBody>
+          <a:bodyPr wrap="square" rtlCol="0">
+            <a:spAutoFit/>
+          </a:bodyPr>
+          <a:lstStyle/>
+          <a:p>
+            <a:r>
+              <a:rPr lang="fr-FR" dirty="0" smtClean="0"/>
+              <a:t>Git </a:t>
+            </a:r>
+            <a:r>
+              <a:rPr lang="fr-FR" dirty="0" err="1" smtClean="0"/>
+              <a:t>add</a:t>
+            </a:r>
+            <a:r>
+              <a:rPr lang="fr-FR" dirty="0" smtClean="0"/>
+              <a:t> .</a:t>
+            </a:r>
+            <a:endParaRPr lang="fr-FR" dirty="0"/>
+          </a:p>
+        </p:txBody>
+      </p:sp>
+    </p:spTree>
+    <p:extLst>
+      <p:ext uri="{BB962C8B-B14F-4D97-AF65-F5344CB8AC3E}">
+        <p14:creationId xmlns:p14="http://schemas.microsoft.com/office/powerpoint/2010/main" val="240047202"/>
+      </p:ext>
+    </p:extLst>
+  </p:cSld>
+  <p:clrMapOvr>
+    <a:masterClrMapping/>
+  </p:clrMapOvr>
+</p:sld>
+</file>
+
+<file path=ppt/slides/slide5.xml><?xml version="1.0" encoding="utf-8"?>
+<p:sld xmlns:a="http://schemas.openxmlformats.org/drawingml/2006/main" xmlns:r="http://schemas.openxmlformats.org/officeDocument/2006/relationships" xmlns:p="http://schemas.openxmlformats.org/presentationml/2006/main">
+  <p:cSld>
+    <p:spTree>
+      <p:nvGrpSpPr>
+        <p:cNvPr id="1" name=""/>
+        <p:cNvGrpSpPr/>
+        <p:nvPr/>
+      </p:nvGrpSpPr>
+      <p:grpSpPr>
+        <a:xfrm>
+          <a:off x="0" y="0"/>
+          <a:ext cx="0" cy="0"/>
+          <a:chOff x="0" y="0"/>
+          <a:chExt cx="0" cy="0"/>
+        </a:xfrm>
+      </p:grpSpPr>
+      <p:sp>
+        <p:nvSpPr>
+          <p:cNvPr id="2" name="Titre 1"/>
+          <p:cNvSpPr>
+            <a:spLocks noGrp="1"/>
+          </p:cNvSpPr>
+          <p:nvPr>
+            <p:ph type="title"/>
+          </p:nvPr>
+        </p:nvSpPr>
+        <p:spPr/>
+        <p:txBody>
+          <a:bodyPr/>
+          <a:lstStyle/>
+          <a:p>
+            <a:r>
+              <a:rPr lang="fr-FR" dirty="0"/>
+              <a:t>Présentation </a:t>
+            </a:r>
+            <a:r>
+              <a:rPr lang="fr-FR" dirty="0" smtClean="0"/>
+              <a:t>de Git</a:t>
+            </a:r>
+            <a:endParaRPr lang="fr-FR" dirty="0"/>
+          </a:p>
+        </p:txBody>
+      </p:sp>
+      <p:sp>
+        <p:nvSpPr>
+          <p:cNvPr id="4" name="Espace réservé du numéro de diapositive 3"/>
+          <p:cNvSpPr>
+            <a:spLocks noGrp="1"/>
+          </p:cNvSpPr>
+          <p:nvPr>
+            <p:ph type="sldNum" sz="quarter" idx="4"/>
+          </p:nvPr>
+        </p:nvSpPr>
+        <p:spPr/>
+        <p:txBody>
+          <a:bodyPr/>
+          <a:lstStyle/>
+          <a:p>
+            <a:pPr>
+              <a:defRPr/>
+            </a:pPr>
+            <a:fld id="{F4FEB08F-923E-484A-9FC5-0AA7BDA29BD6}" type="slidenum">
+              <a:rPr lang="fr-FR" smtClean="0"/>
+              <a:pPr>
+                <a:defRPr/>
+              </a:pPr>
+              <a:t>5</a:t>
+            </a:fld>
+            <a:endParaRPr lang="fr-FR" dirty="0"/>
+          </a:p>
+        </p:txBody>
+      </p:sp>
+      <p:sp>
+        <p:nvSpPr>
+          <p:cNvPr id="5" name="Espace réservé du pied de page 4"/>
+          <p:cNvSpPr>
+            <a:spLocks noGrp="1"/>
+          </p:cNvSpPr>
+          <p:nvPr>
+            <p:ph type="ftr" sz="quarter" idx="3"/>
+          </p:nvPr>
+        </p:nvSpPr>
+        <p:spPr/>
+        <p:txBody>
+          <a:bodyPr/>
+          <a:lstStyle/>
+          <a:p>
+            <a:r>
+              <a:rPr lang="fr-FR" smtClean="0"/>
+              <a:t>2024 | ©HeadMind Partners Cyber Risk &amp; Security </a:t>
+            </a:r>
+            <a:endParaRPr lang="fr-FR" dirty="0"/>
+          </a:p>
+        </p:txBody>
+      </p:sp>
+      <p:pic>
+        <p:nvPicPr>
+          <p:cNvPr id="3" name="Image 2"/>
+          <p:cNvPicPr>
+            <a:picLocks noChangeAspect="1"/>
+          </p:cNvPicPr>
+          <p:nvPr/>
+        </p:nvPicPr>
+        <p:blipFill>
+          <a:blip r:embed="rId2"/>
+          <a:stretch>
+            <a:fillRect/>
+          </a:stretch>
+        </p:blipFill>
+        <p:spPr>
+          <a:xfrm>
+            <a:off x="511908" y="2043313"/>
+            <a:ext cx="11125200" cy="2809875"/>
+          </a:xfrm>
+          <a:prstGeom prst="rect">
+            <a:avLst/>
+          </a:prstGeom>
+        </p:spPr>
+      </p:pic>
+      <p:sp>
+        <p:nvSpPr>
+          <p:cNvPr id="12" name="ZoneTexte 11"/>
+          <p:cNvSpPr txBox="1"/>
+          <p:nvPr/>
+        </p:nvSpPr>
+        <p:spPr>
+          <a:xfrm>
+            <a:off x="511908" y="1460174"/>
+            <a:ext cx="3185962" cy="369332"/>
+          </a:xfrm>
+          <a:prstGeom prst="rect">
+            <a:avLst/>
+          </a:prstGeom>
+          <a:noFill/>
+        </p:spPr>
+        <p:txBody>
+          <a:bodyPr wrap="square" rtlCol="0">
+            <a:spAutoFit/>
+          </a:bodyPr>
+          <a:lstStyle/>
+          <a:p>
+            <a:r>
+              <a:rPr lang="fr-FR" dirty="0" smtClean="0"/>
+              <a:t>Git push</a:t>
+            </a:r>
+            <a:endParaRPr lang="fr-FR" dirty="0"/>
+          </a:p>
+        </p:txBody>
+      </p:sp>
+    </p:spTree>
+    <p:extLst>
+      <p:ext uri="{BB962C8B-B14F-4D97-AF65-F5344CB8AC3E}">
+        <p14:creationId xmlns:p14="http://schemas.microsoft.com/office/powerpoint/2010/main" val="3193075126"/>
+      </p:ext>
+    </p:extLst>
+  </p:cSld>
+  <p:clrMapOvr>
+    <a:masterClrMapping/>
+  </p:clrMapOvr>
+</p:sld>
+</file>
+
+<file path=ppt/slides/slide6.xml><?xml version="1.0" encoding="utf-8"?>
+<p:sld xmlns:a="http://schemas.openxmlformats.org/drawingml/2006/main" xmlns:r="http://schemas.openxmlformats.org/officeDocument/2006/relationships" xmlns:p="http://schemas.openxmlformats.org/presentationml/2006/main">
+  <p:cSld>
+    <p:spTree>
+      <p:nvGrpSpPr>
+        <p:cNvPr id="1" name=""/>
+        <p:cNvGrpSpPr/>
+        <p:nvPr/>
+      </p:nvGrpSpPr>
+      <p:grpSpPr>
+        <a:xfrm>
+          <a:off x="0" y="0"/>
+          <a:ext cx="0" cy="0"/>
+          <a:chOff x="0" y="0"/>
+          <a:chExt cx="0" cy="0"/>
+        </a:xfrm>
+      </p:grpSpPr>
+      <p:sp>
+        <p:nvSpPr>
+          <p:cNvPr id="2" name="Titre 1"/>
+          <p:cNvSpPr>
+            <a:spLocks noGrp="1"/>
+          </p:cNvSpPr>
+          <p:nvPr>
+            <p:ph type="title"/>
+          </p:nvPr>
+        </p:nvSpPr>
+        <p:spPr/>
+        <p:txBody>
+          <a:bodyPr/>
+          <a:lstStyle/>
+          <a:p>
+            <a:r>
+              <a:rPr lang="fr-FR" dirty="0" smtClean="0"/>
+              <a:t>Présentation de l’application</a:t>
+            </a:r>
+            <a:endParaRPr lang="fr-FR" dirty="0"/>
+          </a:p>
+        </p:txBody>
+      </p:sp>
+      <p:sp>
+        <p:nvSpPr>
+          <p:cNvPr id="4" name="Espace réservé du numéro de diapositive 3"/>
+          <p:cNvSpPr>
+            <a:spLocks noGrp="1"/>
+          </p:cNvSpPr>
+          <p:nvPr>
+            <p:ph type="sldNum" sz="quarter" idx="4"/>
+          </p:nvPr>
+        </p:nvSpPr>
+        <p:spPr/>
+        <p:txBody>
+          <a:bodyPr/>
+          <a:lstStyle/>
+          <a:p>
+            <a:pPr>
+              <a:defRPr/>
+            </a:pPr>
+            <a:fld id="{F4FEB08F-923E-484A-9FC5-0AA7BDA29BD6}" type="slidenum">
+              <a:rPr lang="fr-FR" smtClean="0"/>
+              <a:pPr>
+                <a:defRPr/>
+              </a:pPr>
+              <a:t>6</a:t>
+            </a:fld>
+            <a:endParaRPr lang="fr-FR" dirty="0"/>
+          </a:p>
+        </p:txBody>
+      </p:sp>
+      <p:sp>
+        <p:nvSpPr>
+          <p:cNvPr id="5" name="Espace réservé du pied de page 4"/>
+          <p:cNvSpPr>
+            <a:spLocks noGrp="1"/>
+          </p:cNvSpPr>
+          <p:nvPr>
+            <p:ph type="ftr" sz="quarter" idx="3"/>
+          </p:nvPr>
+        </p:nvSpPr>
+        <p:spPr/>
+        <p:txBody>
+          <a:bodyPr/>
+          <a:lstStyle/>
+          <a:p>
+            <a:r>
+              <a:rPr lang="fr-FR" smtClean="0"/>
+              <a:t>2024 | ©HeadMind Partners Cyber Risk &amp; Security </a:t>
+            </a:r>
+            <a:endParaRPr lang="fr-FR" dirty="0"/>
+          </a:p>
+        </p:txBody>
+      </p:sp>
+      <p:sp>
+        <p:nvSpPr>
+          <p:cNvPr id="6" name="ZoneTexte 5"/>
+          <p:cNvSpPr txBox="1"/>
+          <p:nvPr/>
+        </p:nvSpPr>
+        <p:spPr>
+          <a:xfrm>
+            <a:off x="511908" y="2146434"/>
+            <a:ext cx="11153043" cy="2308324"/>
+          </a:xfrm>
+          <a:prstGeom prst="rect">
+            <a:avLst/>
+          </a:prstGeom>
+          <a:noFill/>
+        </p:spPr>
+        <p:txBody>
+          <a:bodyPr wrap="square" rtlCol="0">
+            <a:spAutoFit/>
+          </a:bodyPr>
+          <a:lstStyle/>
+          <a:p>
+            <a:r>
+              <a:rPr lang="fr-FR" dirty="0" smtClean="0"/>
+              <a:t>Télécharger </a:t>
+            </a:r>
+            <a:r>
+              <a:rPr lang="fr-FR" dirty="0"/>
+              <a:t>: </a:t>
+            </a:r>
+            <a:endParaRPr lang="fr-FR" dirty="0" smtClean="0"/>
+          </a:p>
+          <a:p>
+            <a:r>
+              <a:rPr lang="fr-FR" dirty="0" smtClean="0">
+                <a:hlinkClick r:id="rId2"/>
+              </a:rPr>
+              <a:t>https</a:t>
+            </a:r>
+            <a:r>
+              <a:rPr lang="fr-FR" dirty="0">
+                <a:hlinkClick r:id="rId2"/>
+              </a:rPr>
+              <a:t>://</a:t>
+            </a:r>
+            <a:r>
+              <a:rPr lang="fr-FR" dirty="0" smtClean="0">
+                <a:hlinkClick r:id="rId2"/>
+              </a:rPr>
+              <a:t>github.com/E-Nico/HMP-Formation_DevSecOps/archive/refs/heads/main.zip</a:t>
+            </a:r>
+            <a:endParaRPr lang="fr-FR" dirty="0" smtClean="0"/>
+          </a:p>
+          <a:p>
+            <a:endParaRPr lang="fr-FR" dirty="0"/>
+          </a:p>
+          <a:p>
+            <a:r>
+              <a:rPr lang="fr-FR" dirty="0" smtClean="0"/>
+              <a:t>Lancer le script : </a:t>
+            </a:r>
+          </a:p>
+          <a:p>
+            <a:r>
+              <a:rPr lang="fr-FR" dirty="0" smtClean="0"/>
+              <a:t>application.py</a:t>
+            </a:r>
+          </a:p>
+          <a:p>
+            <a:endParaRPr lang="fr-FR" dirty="0"/>
+          </a:p>
+          <a:p>
+            <a:r>
+              <a:rPr lang="fr-FR" dirty="0" smtClean="0"/>
+              <a:t>Aller sur votre navigateur et entrer :</a:t>
+            </a:r>
+          </a:p>
+          <a:p>
+            <a:r>
+              <a:rPr lang="fr-FR" dirty="0" smtClean="0"/>
+              <a:t>127.0.0.1:5000</a:t>
+            </a:r>
+          </a:p>
+        </p:txBody>
+      </p:sp>
+    </p:spTree>
+    <p:extLst>
+      <p:ext uri="{BB962C8B-B14F-4D97-AF65-F5344CB8AC3E}">
+        <p14:creationId xmlns:p14="http://schemas.microsoft.com/office/powerpoint/2010/main" val="2100004168"/>
+      </p:ext>
+    </p:extLst>
+  </p:cSld>
+  <p:clrMapOvr>
+    <a:masterClrMapping/>
+  </p:clrMapOvr>
+</p:sld>
+</file>
+
+<file path=ppt/slides/slide7.xml><?xml version="1.0" encoding="utf-8"?>
+<p:sld xmlns:a="http://schemas.openxmlformats.org/drawingml/2006/main" xmlns:r="http://schemas.openxmlformats.org/officeDocument/2006/relationships" xmlns:p="http://schemas.openxmlformats.org/presentationml/2006/main">
+  <p:cSld>
+    <p:spTree>
+      <p:nvGrpSpPr>
+        <p:cNvPr id="1" name=""/>
+        <p:cNvGrpSpPr/>
+        <p:nvPr/>
+      </p:nvGrpSpPr>
+      <p:grpSpPr>
+        <a:xfrm>
+          <a:off x="0" y="0"/>
+          <a:ext cx="0" cy="0"/>
+          <a:chOff x="0" y="0"/>
+          <a:chExt cx="0" cy="0"/>
+        </a:xfrm>
+      </p:grpSpPr>
+      <p:sp>
+        <p:nvSpPr>
+          <p:cNvPr id="2" name="Titre 1"/>
+          <p:cNvSpPr>
+            <a:spLocks noGrp="1"/>
+          </p:cNvSpPr>
+          <p:nvPr>
+            <p:ph type="title"/>
+          </p:nvPr>
+        </p:nvSpPr>
+        <p:spPr/>
+        <p:txBody>
+          <a:bodyPr/>
+          <a:lstStyle/>
+          <a:p>
+            <a:r>
+              <a:rPr lang="fr-FR" dirty="0" smtClean="0"/>
+              <a:t>Présentation de l’application</a:t>
+            </a:r>
+            <a:endParaRPr lang="fr-FR" dirty="0"/>
+          </a:p>
+        </p:txBody>
+      </p:sp>
+      <p:sp>
+        <p:nvSpPr>
+          <p:cNvPr id="4" name="Espace réservé du numéro de diapositive 3"/>
+          <p:cNvSpPr>
+            <a:spLocks noGrp="1"/>
+          </p:cNvSpPr>
+          <p:nvPr>
+            <p:ph type="sldNum" sz="quarter" idx="4"/>
+          </p:nvPr>
+        </p:nvSpPr>
+        <p:spPr/>
+        <p:txBody>
+          <a:bodyPr/>
+          <a:lstStyle/>
+          <a:p>
+            <a:pPr>
+              <a:defRPr/>
+            </a:pPr>
+            <a:fld id="{F4FEB08F-923E-484A-9FC5-0AA7BDA29BD6}" type="slidenum">
+              <a:rPr lang="fr-FR" smtClean="0"/>
+              <a:pPr>
+                <a:defRPr/>
+              </a:pPr>
+              <a:t>7</a:t>
+            </a:fld>
+            <a:endParaRPr lang="fr-FR" dirty="0"/>
+          </a:p>
+        </p:txBody>
+      </p:sp>
+      <p:sp>
+        <p:nvSpPr>
+          <p:cNvPr id="5" name="Espace réservé du pied de page 4"/>
+          <p:cNvSpPr>
+            <a:spLocks noGrp="1"/>
+          </p:cNvSpPr>
+          <p:nvPr>
+            <p:ph type="ftr" sz="quarter" idx="3"/>
+          </p:nvPr>
+        </p:nvSpPr>
+        <p:spPr/>
+        <p:txBody>
+          <a:bodyPr/>
+          <a:lstStyle/>
+          <a:p>
+            <a:r>
+              <a:rPr lang="fr-FR" smtClean="0"/>
+              <a:t>2024 | ©HeadMind Partners Cyber Risk &amp; Security </a:t>
+            </a:r>
+            <a:endParaRPr lang="fr-FR" dirty="0"/>
+          </a:p>
+        </p:txBody>
+      </p:sp>
+      <p:pic>
+        <p:nvPicPr>
+          <p:cNvPr id="6" name="Image 5"/>
+          <p:cNvPicPr>
+            <a:picLocks noChangeAspect="1"/>
+          </p:cNvPicPr>
+          <p:nvPr/>
+        </p:nvPicPr>
+        <p:blipFill>
+          <a:blip r:embed="rId2"/>
+          <a:stretch>
+            <a:fillRect/>
+          </a:stretch>
+        </p:blipFill>
+        <p:spPr>
+          <a:xfrm>
+            <a:off x="1742172" y="3554658"/>
+            <a:ext cx="10770032" cy="4148833"/>
+          </a:xfrm>
+          <a:prstGeom prst="rect">
+            <a:avLst/>
+          </a:prstGeom>
+        </p:spPr>
+      </p:pic>
+      <p:sp>
+        <p:nvSpPr>
+          <p:cNvPr id="7" name="ZoneTexte 6"/>
+          <p:cNvSpPr txBox="1"/>
+          <p:nvPr/>
+        </p:nvSpPr>
+        <p:spPr>
+          <a:xfrm>
+            <a:off x="511908" y="2146434"/>
+            <a:ext cx="11153043" cy="369332"/>
+          </a:xfrm>
+          <a:prstGeom prst="rect">
+            <a:avLst/>
+          </a:prstGeom>
+          <a:noFill/>
+        </p:spPr>
+        <p:txBody>
+          <a:bodyPr wrap="square" rtlCol="0">
+            <a:spAutoFit/>
+          </a:bodyPr>
+          <a:lstStyle/>
+          <a:p>
+            <a:endParaRPr lang="fr-FR" dirty="0" smtClean="0"/>
+          </a:p>
+        </p:txBody>
+      </p:sp>
+    </p:spTree>
+    <p:extLst>
+      <p:ext uri="{BB962C8B-B14F-4D97-AF65-F5344CB8AC3E}">
+        <p14:creationId xmlns:p14="http://schemas.microsoft.com/office/powerpoint/2010/main" val="2123497163"/>
+      </p:ext>
+    </p:extLst>
+  </p:cSld>
+  <p:clrMapOvr>
+    <a:masterClrMapping/>
+  </p:clrMapOvr>
+</p:sld>
+</file>
+
+<file path=ppt/slides/slide8.xml><?xml version="1.0" encoding="utf-8"?>
+<p:sld xmlns:a="http://schemas.openxmlformats.org/drawingml/2006/main" xmlns:r="http://schemas.openxmlformats.org/officeDocument/2006/relationships" xmlns:p="http://schemas.openxmlformats.org/presentationml/2006/main">
+  <p:cSld>
+    <p:spTree>
+      <p:nvGrpSpPr>
+        <p:cNvPr id="1" name=""/>
+        <p:cNvGrpSpPr/>
+        <p:nvPr/>
+      </p:nvGrpSpPr>
+      <p:grpSpPr>
+        <a:xfrm>
+          <a:off x="0" y="0"/>
+          <a:ext cx="0" cy="0"/>
+          <a:chOff x="0" y="0"/>
+          <a:chExt cx="0" cy="0"/>
+        </a:xfrm>
+      </p:grpSpPr>
+      <p:sp>
+        <p:nvSpPr>
+          <p:cNvPr id="2" name="Titre 1"/>
+          <p:cNvSpPr>
+            <a:spLocks noGrp="1"/>
+          </p:cNvSpPr>
+          <p:nvPr>
+            <p:ph type="title"/>
+          </p:nvPr>
+        </p:nvSpPr>
+        <p:spPr/>
+        <p:txBody>
+          <a:bodyPr/>
+          <a:lstStyle/>
+          <a:p>
+            <a:r>
+              <a:rPr lang="fr-FR" dirty="0"/>
+              <a:t>Présentation </a:t>
+            </a:r>
+            <a:r>
+              <a:rPr lang="fr-FR" dirty="0" smtClean="0"/>
+              <a:t>de l’application</a:t>
+            </a:r>
+            <a:endParaRPr lang="fr-FR" dirty="0"/>
+          </a:p>
+        </p:txBody>
+      </p:sp>
+      <p:sp>
+        <p:nvSpPr>
+          <p:cNvPr id="4" name="Espace réservé du numéro de diapositive 3"/>
+          <p:cNvSpPr>
+            <a:spLocks noGrp="1"/>
+          </p:cNvSpPr>
+          <p:nvPr>
+            <p:ph type="sldNum" sz="quarter" idx="4"/>
+          </p:nvPr>
+        </p:nvSpPr>
+        <p:spPr/>
+        <p:txBody>
+          <a:bodyPr/>
+          <a:lstStyle/>
+          <a:p>
+            <a:pPr>
+              <a:defRPr/>
+            </a:pPr>
+            <a:fld id="{F4FEB08F-923E-484A-9FC5-0AA7BDA29BD6}" type="slidenum">
+              <a:rPr lang="fr-FR" smtClean="0"/>
+              <a:pPr>
+                <a:defRPr/>
+              </a:pPr>
+              <a:t>8</a:t>
+            </a:fld>
+            <a:endParaRPr lang="fr-FR" dirty="0"/>
+          </a:p>
+        </p:txBody>
+      </p:sp>
+      <p:sp>
+        <p:nvSpPr>
+          <p:cNvPr id="5" name="Espace réservé du pied de page 4"/>
+          <p:cNvSpPr>
+            <a:spLocks noGrp="1"/>
+          </p:cNvSpPr>
+          <p:nvPr>
+            <p:ph type="ftr" sz="quarter" idx="3"/>
+          </p:nvPr>
+        </p:nvSpPr>
+        <p:spPr/>
+        <p:txBody>
+          <a:bodyPr/>
+          <a:lstStyle/>
+          <a:p>
+            <a:r>
+              <a:rPr lang="fr-FR" smtClean="0"/>
+              <a:t>2024 | ©HeadMind Partners Cyber Risk &amp; Security </a:t>
+            </a:r>
+            <a:endParaRPr lang="fr-FR" dirty="0"/>
+          </a:p>
+        </p:txBody>
+      </p:sp>
+      <p:pic>
+        <p:nvPicPr>
+          <p:cNvPr id="8" name="Image 7"/>
+          <p:cNvPicPr>
+            <a:picLocks noChangeAspect="1"/>
+          </p:cNvPicPr>
+          <p:nvPr/>
+        </p:nvPicPr>
+        <p:blipFill>
+          <a:blip r:embed="rId2"/>
+          <a:stretch>
+            <a:fillRect/>
+          </a:stretch>
+        </p:blipFill>
+        <p:spPr>
+          <a:xfrm>
+            <a:off x="885524" y="1534426"/>
+            <a:ext cx="9250529" cy="4205705"/>
+          </a:xfrm>
+          <a:prstGeom prst="rect">
+            <a:avLst/>
+          </a:prstGeom>
+        </p:spPr>
+      </p:pic>
+    </p:spTree>
+    <p:extLst>
+      <p:ext uri="{BB962C8B-B14F-4D97-AF65-F5344CB8AC3E}">
+        <p14:creationId xmlns:p14="http://schemas.microsoft.com/office/powerpoint/2010/main" val="3423845049"/>
+      </p:ext>
+    </p:extLst>
+  </p:cSld>
+  <p:clrMapOvr>
+    <a:masterClrMapping/>
+  </p:clrMapOvr>
+</p:sld>
+</file>
+
+<file path=ppt/slides/slide9.xml><?xml version="1.0" encoding="utf-8"?>
+<p:sld xmlns:a="http://schemas.openxmlformats.org/drawingml/2006/main" xmlns:r="http://schemas.openxmlformats.org/officeDocument/2006/relationships" xmlns:p="http://schemas.openxmlformats.org/presentationml/2006/main">
+  <p:cSld>
+    <p:spTree>
+      <p:nvGrpSpPr>
+        <p:cNvPr id="1" name=""/>
+        <p:cNvGrpSpPr/>
+        <p:nvPr/>
+      </p:nvGrpSpPr>
+      <p:grpSpPr>
+        <a:xfrm>
+          <a:off x="0" y="0"/>
+          <a:ext cx="0" cy="0"/>
+          <a:chOff x="0" y="0"/>
+          <a:chExt cx="0" cy="0"/>
+        </a:xfrm>
+      </p:grpSpPr>
+      <p:sp>
+        <p:nvSpPr>
           <p:cNvPr id="3" name="Espace réservé du numéro de diapositive 2"/>
           <p:cNvSpPr>
             <a:spLocks noGrp="1"/>
@@ -51244,7 +52621,7 @@
                 <a:tabLst/>
                 <a:defRPr/>
               </a:pPr>
-              <a:t>3</a:t>
+              <a:t>9</a:t>
             </a:fld>
             <a:endParaRPr kumimoji="0" lang="fr-FR" sz="1200" b="0" i="0" u="none" strike="noStrike" kern="1200" cap="none" spc="0" normalizeH="0" baseline="0" noProof="0" dirty="0">
               <a:ln>

--- a/Introduction au DevOps.pptx
+++ b/Introduction au DevOps.pptx
@@ -8,7 +8,7 @@
     <p:sldMasterId id="2147483743" r:id="rId4"/>
   </p:sldMasterIdLst>
   <p:notesMasterIdLst>
-    <p:notesMasterId r:id="rId14"/>
+    <p:notesMasterId r:id="rId17"/>
   </p:notesMasterIdLst>
   <p:sldIdLst>
     <p:sldId id="273" r:id="rId5"/>
@@ -19,7 +19,10 @@
     <p:sldId id="312" r:id="rId10"/>
     <p:sldId id="313" r:id="rId11"/>
     <p:sldId id="311" r:id="rId12"/>
-    <p:sldId id="275" r:id="rId13"/>
+    <p:sldId id="314" r:id="rId13"/>
+    <p:sldId id="315" r:id="rId14"/>
+    <p:sldId id="316" r:id="rId15"/>
+    <p:sldId id="275" r:id="rId16"/>
   </p:sldIdLst>
   <p:sldSz cx="12192000" cy="6858000"/>
   <p:notesSz cx="6858000" cy="9144000"/>
@@ -50965,6 +50968,657 @@
 </p:sld>
 </file>
 
+<file path=ppt/slides/slide10.xml><?xml version="1.0" encoding="utf-8"?>
+<p:sld xmlns:a="http://schemas.openxmlformats.org/drawingml/2006/main" xmlns:r="http://schemas.openxmlformats.org/officeDocument/2006/relationships" xmlns:p="http://schemas.openxmlformats.org/presentationml/2006/main">
+  <p:cSld>
+    <p:spTree>
+      <p:nvGrpSpPr>
+        <p:cNvPr id="1" name=""/>
+        <p:cNvGrpSpPr/>
+        <p:nvPr/>
+      </p:nvGrpSpPr>
+      <p:grpSpPr>
+        <a:xfrm>
+          <a:off x="0" y="0"/>
+          <a:ext cx="0" cy="0"/>
+          <a:chOff x="0" y="0"/>
+          <a:chExt cx="0" cy="0"/>
+        </a:xfrm>
+      </p:grpSpPr>
+      <p:sp>
+        <p:nvSpPr>
+          <p:cNvPr id="2" name="Titre 1"/>
+          <p:cNvSpPr>
+            <a:spLocks noGrp="1"/>
+          </p:cNvSpPr>
+          <p:nvPr>
+            <p:ph type="title"/>
+          </p:nvPr>
+        </p:nvSpPr>
+        <p:spPr/>
+        <p:txBody>
+          <a:bodyPr/>
+          <a:lstStyle/>
+          <a:p>
+            <a:r>
+              <a:rPr lang="fr-FR" dirty="0" smtClean="0"/>
+              <a:t>TP</a:t>
+            </a:r>
+            <a:endParaRPr lang="fr-FR" dirty="0"/>
+          </a:p>
+        </p:txBody>
+      </p:sp>
+      <p:sp>
+        <p:nvSpPr>
+          <p:cNvPr id="3" name="Espace réservé du texte 2"/>
+          <p:cNvSpPr>
+            <a:spLocks noGrp="1"/>
+          </p:cNvSpPr>
+          <p:nvPr>
+            <p:ph type="body" sz="quarter" idx="14"/>
+          </p:nvPr>
+        </p:nvSpPr>
+        <p:spPr>
+          <a:xfrm>
+            <a:off x="519811" y="1317444"/>
+            <a:ext cx="11137237" cy="4467225"/>
+          </a:xfrm>
+        </p:spPr>
+        <p:txBody>
+          <a:bodyPr/>
+          <a:lstStyle/>
+          <a:p>
+            <a:pPr marL="342900" indent="-342900">
+              <a:buFont typeface="+mj-lt"/>
+              <a:buAutoNum type="arabicPeriod" startAt="7"/>
+            </a:pPr>
+            <a:r>
+              <a:rPr lang="fr-FR" dirty="0" smtClean="0"/>
+              <a:t>Quelle est le nom de la vulnérabilité ? (CVE-XXXX-XXXX) </a:t>
+            </a:r>
+          </a:p>
+          <a:p>
+            <a:pPr marL="342900" indent="-342900">
+              <a:buFont typeface="+mj-lt"/>
+              <a:buAutoNum type="arabicPeriod" startAt="7"/>
+            </a:pPr>
+            <a:endParaRPr lang="fr-FR" dirty="0"/>
+          </a:p>
+          <a:p>
+            <a:pPr marL="342900" indent="-342900">
+              <a:buFont typeface="+mj-lt"/>
+              <a:buAutoNum type="arabicPeriod" startAt="7"/>
+            </a:pPr>
+            <a:r>
+              <a:rPr lang="fr-FR" dirty="0" smtClean="0"/>
+              <a:t>Expliquer cette vulnérabilité.</a:t>
+            </a:r>
+          </a:p>
+          <a:p>
+            <a:pPr marL="342900" indent="-342900">
+              <a:buFont typeface="+mj-lt"/>
+              <a:buAutoNum type="arabicPeriod" startAt="7"/>
+            </a:pPr>
+            <a:endParaRPr lang="fr-FR" dirty="0"/>
+          </a:p>
+          <a:p>
+            <a:pPr marL="342900" indent="-342900">
+              <a:buFont typeface="+mj-lt"/>
+              <a:buAutoNum type="arabicPeriod" startAt="7"/>
+            </a:pPr>
+            <a:r>
+              <a:rPr lang="fr-FR" dirty="0" smtClean="0"/>
+              <a:t>Quel est le niveau de criticité de cette vulnérabilité ? </a:t>
+            </a:r>
+          </a:p>
+          <a:p>
+            <a:pPr marL="342900" indent="-342900">
+              <a:buFont typeface="+mj-lt"/>
+              <a:buAutoNum type="arabicPeriod" startAt="7"/>
+            </a:pPr>
+            <a:endParaRPr lang="fr-FR" dirty="0"/>
+          </a:p>
+          <a:p>
+            <a:pPr marL="342900" indent="-342900">
+              <a:buFont typeface="+mj-lt"/>
+              <a:buAutoNum type="arabicPeriod" startAt="7"/>
+            </a:pPr>
+            <a:r>
+              <a:rPr lang="fr-FR" dirty="0" smtClean="0"/>
+              <a:t>A partir de quelle version cette vulnérabilité est-elle corrigée ?</a:t>
+            </a:r>
+          </a:p>
+          <a:p>
+            <a:pPr marL="342900" indent="-342900">
+              <a:buFont typeface="+mj-lt"/>
+              <a:buAutoNum type="arabicPeriod" startAt="7"/>
+            </a:pPr>
+            <a:endParaRPr lang="fr-FR" dirty="0"/>
+          </a:p>
+          <a:p>
+            <a:pPr marL="342900" indent="-342900">
+              <a:buFont typeface="+mj-lt"/>
+              <a:buAutoNum type="arabicPeriod" startAt="7"/>
+            </a:pPr>
+            <a:r>
+              <a:rPr lang="fr-FR" dirty="0" smtClean="0"/>
+              <a:t>Comment peut-on mettre à jour une librairie python ? Donner la commande et exécuter cette commande puis exécuter le script « update_requirements.py ». Vérifier dans le fichier « requirements.txt » que la librairie est bien à jour.</a:t>
+            </a:r>
+          </a:p>
+          <a:p>
+            <a:pPr marL="342900" indent="-342900">
+              <a:buFont typeface="+mj-lt"/>
+              <a:buAutoNum type="arabicPeriod" startAt="7"/>
+            </a:pPr>
+            <a:endParaRPr lang="fr-FR" dirty="0"/>
+          </a:p>
+          <a:p>
+            <a:pPr marL="342900" indent="-342900">
+              <a:buFont typeface="+mj-lt"/>
+              <a:buAutoNum type="arabicPeriod" startAt="12"/>
+            </a:pPr>
+            <a:r>
+              <a:rPr lang="fr-FR" dirty="0"/>
+              <a:t>Mettre les fichiers dans </a:t>
+            </a:r>
+            <a:r>
+              <a:rPr lang="fr-FR" dirty="0" err="1"/>
+              <a:t>github</a:t>
+            </a:r>
+            <a:r>
+              <a:rPr lang="fr-FR" dirty="0"/>
+              <a:t> et observer si une vulnérabilité </a:t>
+            </a:r>
+            <a:r>
+              <a:rPr lang="fr-FR" dirty="0" smtClean="0"/>
+              <a:t>remonte </a:t>
+            </a:r>
+            <a:endParaRPr lang="fr-FR" dirty="0"/>
+          </a:p>
+        </p:txBody>
+      </p:sp>
+      <p:sp>
+        <p:nvSpPr>
+          <p:cNvPr id="4" name="Espace réservé du numéro de diapositive 3"/>
+          <p:cNvSpPr>
+            <a:spLocks noGrp="1"/>
+          </p:cNvSpPr>
+          <p:nvPr>
+            <p:ph type="sldNum" sz="quarter" idx="4"/>
+          </p:nvPr>
+        </p:nvSpPr>
+        <p:spPr/>
+        <p:txBody>
+          <a:bodyPr/>
+          <a:lstStyle/>
+          <a:p>
+            <a:pPr>
+              <a:defRPr/>
+            </a:pPr>
+            <a:fld id="{F4FEB08F-923E-484A-9FC5-0AA7BDA29BD6}" type="slidenum">
+              <a:rPr lang="fr-FR" smtClean="0"/>
+              <a:pPr>
+                <a:defRPr/>
+              </a:pPr>
+              <a:t>10</a:t>
+            </a:fld>
+            <a:endParaRPr lang="fr-FR" dirty="0"/>
+          </a:p>
+        </p:txBody>
+      </p:sp>
+      <p:sp>
+        <p:nvSpPr>
+          <p:cNvPr id="5" name="Espace réservé du pied de page 4"/>
+          <p:cNvSpPr>
+            <a:spLocks noGrp="1"/>
+          </p:cNvSpPr>
+          <p:nvPr>
+            <p:ph type="ftr" sz="quarter" idx="3"/>
+          </p:nvPr>
+        </p:nvSpPr>
+        <p:spPr/>
+        <p:txBody>
+          <a:bodyPr/>
+          <a:lstStyle/>
+          <a:p>
+            <a:r>
+              <a:rPr lang="fr-FR" smtClean="0"/>
+              <a:t>2024 | ©HeadMind Partners Cyber Risk &amp; Security </a:t>
+            </a:r>
+            <a:endParaRPr lang="fr-FR" dirty="0"/>
+          </a:p>
+        </p:txBody>
+      </p:sp>
+    </p:spTree>
+    <p:extLst>
+      <p:ext uri="{BB962C8B-B14F-4D97-AF65-F5344CB8AC3E}">
+        <p14:creationId xmlns:p14="http://schemas.microsoft.com/office/powerpoint/2010/main" val="4030876632"/>
+      </p:ext>
+    </p:extLst>
+  </p:cSld>
+  <p:clrMapOvr>
+    <a:masterClrMapping/>
+  </p:clrMapOvr>
+  <p:timing>
+    <p:tnLst>
+      <p:par>
+        <p:cTn id="1" dur="indefinite" restart="never" nodeType="tmRoot"/>
+      </p:par>
+    </p:tnLst>
+  </p:timing>
+</p:sld>
+</file>
+
+<file path=ppt/slides/slide11.xml><?xml version="1.0" encoding="utf-8"?>
+<p:sld xmlns:a="http://schemas.openxmlformats.org/drawingml/2006/main" xmlns:r="http://schemas.openxmlformats.org/officeDocument/2006/relationships" xmlns:p="http://schemas.openxmlformats.org/presentationml/2006/main">
+  <p:cSld>
+    <p:spTree>
+      <p:nvGrpSpPr>
+        <p:cNvPr id="1" name=""/>
+        <p:cNvGrpSpPr/>
+        <p:nvPr/>
+      </p:nvGrpSpPr>
+      <p:grpSpPr>
+        <a:xfrm>
+          <a:off x="0" y="0"/>
+          <a:ext cx="0" cy="0"/>
+          <a:chOff x="0" y="0"/>
+          <a:chExt cx="0" cy="0"/>
+        </a:xfrm>
+      </p:grpSpPr>
+      <p:sp>
+        <p:nvSpPr>
+          <p:cNvPr id="2" name="Titre 1"/>
+          <p:cNvSpPr>
+            <a:spLocks noGrp="1"/>
+          </p:cNvSpPr>
+          <p:nvPr>
+            <p:ph type="title"/>
+          </p:nvPr>
+        </p:nvSpPr>
+        <p:spPr/>
+        <p:txBody>
+          <a:bodyPr/>
+          <a:lstStyle/>
+          <a:p>
+            <a:r>
+              <a:rPr lang="fr-FR" dirty="0" smtClean="0"/>
+              <a:t>Questions &amp; Retour </a:t>
+            </a:r>
+            <a:endParaRPr lang="fr-FR" dirty="0"/>
+          </a:p>
+        </p:txBody>
+      </p:sp>
+      <p:sp>
+        <p:nvSpPr>
+          <p:cNvPr id="4" name="Espace réservé du numéro de diapositive 3"/>
+          <p:cNvSpPr>
+            <a:spLocks noGrp="1"/>
+          </p:cNvSpPr>
+          <p:nvPr>
+            <p:ph type="sldNum" sz="quarter" idx="4"/>
+          </p:nvPr>
+        </p:nvSpPr>
+        <p:spPr/>
+        <p:txBody>
+          <a:bodyPr/>
+          <a:lstStyle/>
+          <a:p>
+            <a:pPr>
+              <a:defRPr/>
+            </a:pPr>
+            <a:fld id="{F4FEB08F-923E-484A-9FC5-0AA7BDA29BD6}" type="slidenum">
+              <a:rPr lang="fr-FR" smtClean="0"/>
+              <a:pPr>
+                <a:defRPr/>
+              </a:pPr>
+              <a:t>11</a:t>
+            </a:fld>
+            <a:endParaRPr lang="fr-FR" dirty="0"/>
+          </a:p>
+        </p:txBody>
+      </p:sp>
+      <p:sp>
+        <p:nvSpPr>
+          <p:cNvPr id="5" name="Espace réservé du pied de page 4"/>
+          <p:cNvSpPr>
+            <a:spLocks noGrp="1"/>
+          </p:cNvSpPr>
+          <p:nvPr>
+            <p:ph type="ftr" sz="quarter" idx="3"/>
+          </p:nvPr>
+        </p:nvSpPr>
+        <p:spPr/>
+        <p:txBody>
+          <a:bodyPr/>
+          <a:lstStyle/>
+          <a:p>
+            <a:r>
+              <a:rPr lang="fr-FR" smtClean="0"/>
+              <a:t>2024 | ©HeadMind Partners Cyber Risk &amp; Security </a:t>
+            </a:r>
+            <a:endParaRPr lang="fr-FR" dirty="0"/>
+          </a:p>
+        </p:txBody>
+      </p:sp>
+      <p:pic>
+        <p:nvPicPr>
+          <p:cNvPr id="1028" name="Picture 4" descr="What is DevSecOps? And what you need to do it well"/>
+          <p:cNvPicPr>
+            <a:picLocks noChangeAspect="1" noChangeArrowheads="1"/>
+          </p:cNvPicPr>
+          <p:nvPr/>
+        </p:nvPicPr>
+        <p:blipFill>
+          <a:blip r:embed="rId2" cstate="print">
+            <a:extLst>
+              <a:ext uri="{28A0092B-C50C-407E-A947-70E740481C1C}">
+                <a14:useLocalDpi xmlns:a14="http://schemas.microsoft.com/office/drawing/2010/main" val="0"/>
+              </a:ext>
+            </a:extLst>
+          </a:blip>
+          <a:srcRect/>
+          <a:stretch>
+            <a:fillRect/>
+          </a:stretch>
+        </p:blipFill>
+        <p:spPr bwMode="auto">
+          <a:xfrm>
+            <a:off x="1957243" y="1538437"/>
+            <a:ext cx="7778512" cy="4410417"/>
+          </a:xfrm>
+          <a:prstGeom prst="rect">
+            <a:avLst/>
+          </a:prstGeom>
+          <a:noFill/>
+          <a:extLst>
+            <a:ext uri="{909E8E84-426E-40DD-AFC4-6F175D3DCCD1}">
+              <a14:hiddenFill xmlns:a14="http://schemas.microsoft.com/office/drawing/2010/main">
+                <a:solidFill>
+                  <a:srgbClr val="FFFFFF"/>
+                </a:solidFill>
+              </a14:hiddenFill>
+            </a:ext>
+          </a:extLst>
+        </p:spPr>
+      </p:pic>
+    </p:spTree>
+    <p:extLst>
+      <p:ext uri="{BB962C8B-B14F-4D97-AF65-F5344CB8AC3E}">
+        <p14:creationId xmlns:p14="http://schemas.microsoft.com/office/powerpoint/2010/main" val="2273176411"/>
+      </p:ext>
+    </p:extLst>
+  </p:cSld>
+  <p:clrMapOvr>
+    <a:masterClrMapping/>
+  </p:clrMapOvr>
+  <p:timing>
+    <p:tnLst>
+      <p:par>
+        <p:cTn id="1" dur="indefinite" restart="never" nodeType="tmRoot"/>
+      </p:par>
+    </p:tnLst>
+  </p:timing>
+</p:sld>
+</file>
+
+<file path=ppt/slides/slide12.xml><?xml version="1.0" encoding="utf-8"?>
+<p:sld xmlns:a="http://schemas.openxmlformats.org/drawingml/2006/main" xmlns:r="http://schemas.openxmlformats.org/officeDocument/2006/relationships" xmlns:p="http://schemas.openxmlformats.org/presentationml/2006/main">
+  <p:cSld>
+    <p:spTree>
+      <p:nvGrpSpPr>
+        <p:cNvPr id="1" name=""/>
+        <p:cNvGrpSpPr/>
+        <p:nvPr/>
+      </p:nvGrpSpPr>
+      <p:grpSpPr>
+        <a:xfrm>
+          <a:off x="0" y="0"/>
+          <a:ext cx="0" cy="0"/>
+          <a:chOff x="0" y="0"/>
+          <a:chExt cx="0" cy="0"/>
+        </a:xfrm>
+      </p:grpSpPr>
+      <p:sp>
+        <p:nvSpPr>
+          <p:cNvPr id="3" name="Espace réservé du numéro de diapositive 2"/>
+          <p:cNvSpPr>
+            <a:spLocks noGrp="1"/>
+          </p:cNvSpPr>
+          <p:nvPr>
+            <p:ph type="sldNum" sz="quarter" idx="4294967295"/>
+          </p:nvPr>
+        </p:nvSpPr>
+        <p:spPr>
+          <a:xfrm>
+            <a:off x="11537950" y="6435725"/>
+            <a:ext cx="654050" cy="365125"/>
+          </a:xfrm>
+        </p:spPr>
+        <p:txBody>
+          <a:bodyPr/>
+          <a:lstStyle/>
+          <a:p>
+            <a:pPr marL="0" marR="0" lvl="0" indent="0" algn="r" defTabSz="914400" rtl="0" eaLnBrk="1" fontAlgn="auto" latinLnBrk="0" hangingPunct="1">
+              <a:lnSpc>
+                <a:spcPct val="100000"/>
+              </a:lnSpc>
+              <a:spcBef>
+                <a:spcPts val="0"/>
+              </a:spcBef>
+              <a:spcAft>
+                <a:spcPts val="0"/>
+              </a:spcAft>
+              <a:buClrTx/>
+              <a:buSzTx/>
+              <a:buFontTx/>
+              <a:buNone/>
+              <a:tabLst/>
+              <a:defRPr/>
+            </a:pPr>
+            <a:fld id="{F4FEB08F-923E-484A-9FC5-0AA7BDA29BD6}" type="slidenum">
+              <a:rPr kumimoji="0" lang="fr-FR" sz="1200" b="0" i="0" u="none" strike="noStrike" kern="1200" cap="none" spc="0" normalizeH="0" baseline="0" noProof="0" smtClean="0">
+                <a:ln>
+                  <a:noFill/>
+                </a:ln>
+                <a:solidFill>
+                  <a:srgbClr val="002060"/>
+                </a:solidFill>
+                <a:effectLst/>
+                <a:uLnTx/>
+                <a:uFillTx/>
+                <a:latin typeface="Segoe UI"/>
+                <a:ea typeface="+mn-ea"/>
+                <a:cs typeface="Browallia New" panose="020B0604020202020204" pitchFamily="34" charset="-34"/>
+              </a:rPr>
+              <a:pPr marL="0" marR="0" lvl="0" indent="0" algn="r" defTabSz="914400" rtl="0" eaLnBrk="1" fontAlgn="auto" latinLnBrk="0" hangingPunct="1">
+                <a:lnSpc>
+                  <a:spcPct val="100000"/>
+                </a:lnSpc>
+                <a:spcBef>
+                  <a:spcPts val="0"/>
+                </a:spcBef>
+                <a:spcAft>
+                  <a:spcPts val="0"/>
+                </a:spcAft>
+                <a:buClrTx/>
+                <a:buSzTx/>
+                <a:buFontTx/>
+                <a:buNone/>
+                <a:tabLst/>
+                <a:defRPr/>
+              </a:pPr>
+              <a:t>12</a:t>
+            </a:fld>
+            <a:endParaRPr kumimoji="0" lang="fr-FR" sz="1200" b="0" i="0" u="none" strike="noStrike" kern="1200" cap="none" spc="0" normalizeH="0" baseline="0" noProof="0" dirty="0">
+              <a:ln>
+                <a:noFill/>
+              </a:ln>
+              <a:solidFill>
+                <a:srgbClr val="002060"/>
+              </a:solidFill>
+              <a:effectLst/>
+              <a:uLnTx/>
+              <a:uFillTx/>
+              <a:latin typeface="Segoe UI"/>
+              <a:ea typeface="+mn-ea"/>
+              <a:cs typeface="Browallia New" panose="020B0604020202020204" pitchFamily="34" charset="-34"/>
+            </a:endParaRPr>
+          </a:p>
+        </p:txBody>
+      </p:sp>
+      <p:sp>
+        <p:nvSpPr>
+          <p:cNvPr id="4" name="Espace réservé du pied de page 3"/>
+          <p:cNvSpPr>
+            <a:spLocks noGrp="1"/>
+          </p:cNvSpPr>
+          <p:nvPr>
+            <p:ph type="ftr" sz="quarter" idx="4294967295"/>
+          </p:nvPr>
+        </p:nvSpPr>
+        <p:spPr>
+          <a:xfrm>
+            <a:off x="0" y="6435725"/>
+            <a:ext cx="5672138" cy="365125"/>
+          </a:xfrm>
+        </p:spPr>
+        <p:txBody>
+          <a:bodyPr/>
+          <a:lstStyle/>
+          <a:p>
+            <a:pPr marL="0" marR="0" lvl="0" indent="0" algn="l" defTabSz="914400" rtl="0" eaLnBrk="1" fontAlgn="auto" latinLnBrk="0" hangingPunct="1">
+              <a:lnSpc>
+                <a:spcPct val="100000"/>
+              </a:lnSpc>
+              <a:spcBef>
+                <a:spcPts val="0"/>
+              </a:spcBef>
+              <a:spcAft>
+                <a:spcPts val="0"/>
+              </a:spcAft>
+              <a:buClrTx/>
+              <a:buSzTx/>
+              <a:buFontTx/>
+              <a:buNone/>
+              <a:tabLst/>
+              <a:defRPr/>
+            </a:pPr>
+            <a:r>
+              <a:rPr kumimoji="0" lang="en-US" sz="1200" b="0" i="0" u="none" strike="noStrike" kern="1200" cap="none" spc="0" normalizeH="0" baseline="0" noProof="0" smtClean="0">
+                <a:ln>
+                  <a:noFill/>
+                </a:ln>
+                <a:solidFill>
+                  <a:srgbClr val="002060"/>
+                </a:solidFill>
+                <a:effectLst/>
+                <a:uLnTx/>
+                <a:uFillTx/>
+                <a:latin typeface="Segoe UI"/>
+                <a:ea typeface="+mn-ea"/>
+                <a:cs typeface="Browallia New" panose="020B0604020202020204" pitchFamily="34" charset="-34"/>
+              </a:rPr>
+              <a:t>2024 | ©HeadMind Partners Cyber Risk &amp; Security </a:t>
+            </a:r>
+            <a:endParaRPr kumimoji="0" lang="fr-FR" sz="1200" b="0" i="0" u="none" strike="noStrike" kern="1200" cap="none" spc="0" normalizeH="0" baseline="0" noProof="0" dirty="0">
+              <a:ln>
+                <a:noFill/>
+              </a:ln>
+              <a:solidFill>
+                <a:srgbClr val="002060"/>
+              </a:solidFill>
+              <a:effectLst/>
+              <a:uLnTx/>
+              <a:uFillTx/>
+              <a:latin typeface="Segoe UI"/>
+              <a:ea typeface="+mn-ea"/>
+              <a:cs typeface="Browallia New" panose="020B0604020202020204" pitchFamily="34" charset="-34"/>
+            </a:endParaRPr>
+          </a:p>
+        </p:txBody>
+      </p:sp>
+      <p:sp>
+        <p:nvSpPr>
+          <p:cNvPr id="6" name="Rectangle 5"/>
+          <p:cNvSpPr/>
+          <p:nvPr/>
+        </p:nvSpPr>
+        <p:spPr>
+          <a:xfrm>
+            <a:off x="5064782" y="2905810"/>
+            <a:ext cx="6695090" cy="707886"/>
+          </a:xfrm>
+          <a:prstGeom prst="rect">
+            <a:avLst/>
+          </a:prstGeom>
+        </p:spPr>
+        <p:txBody>
+          <a:bodyPr wrap="square">
+            <a:spAutoFit/>
+          </a:bodyPr>
+          <a:lstStyle/>
+          <a:p>
+            <a:pPr marL="0" marR="0" lvl="0" indent="0" algn="ctr" defTabSz="914400" rtl="0" eaLnBrk="1" fontAlgn="auto" latinLnBrk="0" hangingPunct="1">
+              <a:lnSpc>
+                <a:spcPct val="100000"/>
+              </a:lnSpc>
+              <a:spcBef>
+                <a:spcPts val="0"/>
+              </a:spcBef>
+              <a:spcAft>
+                <a:spcPts val="0"/>
+              </a:spcAft>
+              <a:buClrTx/>
+              <a:buSzTx/>
+              <a:buFontTx/>
+              <a:buNone/>
+              <a:tabLst/>
+              <a:defRPr/>
+            </a:pPr>
+            <a:r>
+              <a:rPr kumimoji="0" lang="fr-FR" sz="4000" b="1" i="0" u="none" strike="noStrike" kern="1200" cap="none" spc="0" normalizeH="0" baseline="0" noProof="0" dirty="0" smtClean="0">
+                <a:ln>
+                  <a:noFill/>
+                </a:ln>
+                <a:solidFill>
+                  <a:srgbClr val="FFFFFF"/>
+                </a:solidFill>
+                <a:effectLst/>
+                <a:uLnTx/>
+                <a:uFillTx/>
+                <a:latin typeface="Segoe UI"/>
+              </a:rPr>
+              <a:t>Merci !</a:t>
+            </a:r>
+            <a:endParaRPr lang="fr-FR" sz="4000" b="1" dirty="0">
+              <a:solidFill>
+                <a:srgbClr val="FFFFFF"/>
+              </a:solidFill>
+            </a:endParaRPr>
+          </a:p>
+        </p:txBody>
+      </p:sp>
+    </p:spTree>
+    <p:extLst>
+      <p:ext uri="{BB962C8B-B14F-4D97-AF65-F5344CB8AC3E}">
+        <p14:creationId xmlns:p14="http://schemas.microsoft.com/office/powerpoint/2010/main" val="2722145534"/>
+      </p:ext>
+    </p:extLst>
+  </p:cSld>
+  <p:clrMapOvr>
+    <a:masterClrMapping/>
+  </p:clrMapOvr>
+  <p:timing>
+    <p:tnLst>
+      <p:par>
+        <p:cTn id="1" dur="indefinite" restart="never" nodeType="tmRoot"/>
+      </p:par>
+    </p:tnLst>
+  </p:timing>
+</p:sld>
+</file>
+
 <file path=ppt/slides/slide2.xml><?xml version="1.0" encoding="utf-8"?>
 <p:sld xmlns:a="http://schemas.openxmlformats.org/drawingml/2006/main" xmlns:r="http://schemas.openxmlformats.org/officeDocument/2006/relationships" xmlns:p="http://schemas.openxmlformats.org/presentationml/2006/main">
   <p:cSld>
@@ -51891,6 +52545,13 @@
   <p:clrMapOvr>
     <a:masterClrMapping/>
   </p:clrMapOvr>
+  <p:timing>
+    <p:tnLst>
+      <p:par>
+        <p:cTn id="1" dur="indefinite" restart="never" nodeType="tmRoot"/>
+      </p:par>
+    </p:tnLst>
+  </p:timing>
 </p:sld>
 </file>
 
@@ -52054,6 +52715,13 @@
   <p:clrMapOvr>
     <a:masterClrMapping/>
   </p:clrMapOvr>
+  <p:timing>
+    <p:tnLst>
+      <p:par>
+        <p:cTn id="1" dur="indefinite" restart="never" nodeType="tmRoot"/>
+      </p:par>
+    </p:tnLst>
+  </p:timing>
 </p:sld>
 </file>
 
@@ -52158,7 +52826,7 @@
         <p:spPr>
           <a:xfrm>
             <a:off x="511908" y="2146434"/>
-            <a:ext cx="11153043" cy="2308324"/>
+            <a:ext cx="11153043" cy="2862322"/>
           </a:xfrm>
           <a:prstGeom prst="rect">
             <a:avLst/>
@@ -52230,6 +52898,15 @@
             <a:r>
               <a:rPr lang="fr-FR" dirty="0" smtClean="0"/>
               <a:t>127.0.0.1:5000</a:t>
+            </a:r>
+          </a:p>
+          <a:p>
+            <a:endParaRPr lang="fr-FR" dirty="0"/>
+          </a:p>
+          <a:p>
+            <a:r>
+              <a:rPr lang="fr-FR" dirty="0" smtClean="0"/>
+              <a:t>Observer la console, vous devriez avoir une requête « GET » qui apparaît </a:t>
             </a:r>
           </a:p>
         </p:txBody>
@@ -52244,6 +52921,13 @@
   <p:clrMapOvr>
     <a:masterClrMapping/>
   </p:clrMapOvr>
+  <p:timing>
+    <p:tnLst>
+      <p:par>
+        <p:cTn id="1" dur="indefinite" restart="never" nodeType="tmRoot"/>
+      </p:par>
+    </p:tnLst>
+  </p:timing>
 </p:sld>
 </file>
 
@@ -52355,7 +53039,7 @@
         </p:blipFill>
         <p:spPr>
           <a:xfrm>
-            <a:off x="1742172" y="3554658"/>
+            <a:off x="798908" y="1655316"/>
             <a:ext cx="10770032" cy="4148833"/>
           </a:xfrm>
           <a:prstGeom prst="rect">
@@ -52399,6 +53083,13 @@
   <p:clrMapOvr>
     <a:masterClrMapping/>
   </p:clrMapOvr>
+  <p:timing>
+    <p:tnLst>
+      <p:par>
+        <p:cTn id="1" dur="indefinite" restart="never" nodeType="tmRoot"/>
+      </p:par>
+    </p:tnLst>
+  </p:timing>
 </p:sld>
 </file>
 
@@ -52532,6 +53223,13 @@
   <p:clrMapOvr>
     <a:masterClrMapping/>
   </p:clrMapOvr>
+  <p:timing>
+    <p:tnLst>
+      <p:par>
+        <p:cTn id="1" dur="indefinite" restart="never" nodeType="tmRoot"/>
+      </p:par>
+    </p:tnLst>
+  </p:timing>
 </p:sld>
 </file>
 
@@ -52554,380 +53252,309 @@
       </p:grpSpPr>
       <p:sp>
         <p:nvSpPr>
-          <p:cNvPr id="3" name="Espace réservé du numéro de diapositive 2"/>
-          <p:cNvSpPr>
-            <a:spLocks noGrp="1"/>
-          </p:cNvSpPr>
-          <p:nvPr>
-            <p:ph type="sldNum" sz="quarter" idx="4294967295"/>
-          </p:nvPr>
-        </p:nvSpPr>
-        <p:spPr>
-          <a:xfrm>
-            <a:off x="11537950" y="6435725"/>
-            <a:ext cx="654050" cy="365125"/>
-          </a:xfrm>
-        </p:spPr>
+          <p:cNvPr id="2" name="Titre 1"/>
+          <p:cNvSpPr>
+            <a:spLocks noGrp="1"/>
+          </p:cNvSpPr>
+          <p:nvPr>
+            <p:ph type="title"/>
+          </p:nvPr>
+        </p:nvSpPr>
+        <p:spPr/>
         <p:txBody>
           <a:bodyPr/>
           <a:lstStyle/>
           <a:p>
-            <a:pPr marL="0" marR="0" lvl="0" indent="0" algn="r" defTabSz="914400" rtl="0" eaLnBrk="1" fontAlgn="auto" latinLnBrk="0" hangingPunct="1">
-              <a:lnSpc>
-                <a:spcPct val="100000"/>
-              </a:lnSpc>
-              <a:spcBef>
-                <a:spcPts val="0"/>
-              </a:spcBef>
-              <a:spcAft>
-                <a:spcPts val="0"/>
-              </a:spcAft>
-              <a:buClrTx/>
-              <a:buSzTx/>
-              <a:buFontTx/>
-              <a:buNone/>
-              <a:tabLst/>
+            <a:r>
+              <a:rPr lang="fr-FR" dirty="0" smtClean="0"/>
+              <a:t>TP</a:t>
+            </a:r>
+            <a:endParaRPr lang="fr-FR" dirty="0"/>
+          </a:p>
+        </p:txBody>
+      </p:sp>
+      <p:sp>
+        <p:nvSpPr>
+          <p:cNvPr id="3" name="Espace réservé du texte 2"/>
+          <p:cNvSpPr>
+            <a:spLocks noGrp="1"/>
+          </p:cNvSpPr>
+          <p:nvPr>
+            <p:ph type="body" sz="quarter" idx="14"/>
+          </p:nvPr>
+        </p:nvSpPr>
+        <p:spPr>
+          <a:xfrm>
+            <a:off x="527714" y="1389775"/>
+            <a:ext cx="11137237" cy="4467225"/>
+          </a:xfrm>
+        </p:spPr>
+        <p:txBody>
+          <a:bodyPr/>
+          <a:lstStyle/>
+          <a:p>
+            <a:pPr marL="342900" indent="-342900">
+              <a:buFont typeface="+mj-lt"/>
+              <a:buAutoNum type="arabicPeriod"/>
+            </a:pPr>
+            <a:r>
+              <a:rPr lang="fr-FR" dirty="0" smtClean="0"/>
+              <a:t>Inspecter le fichier </a:t>
+            </a:r>
+            <a:r>
+              <a:rPr lang="fr-FR" dirty="0" err="1" smtClean="0"/>
+              <a:t>payload.yml</a:t>
+            </a:r>
+            <a:r>
+              <a:rPr lang="fr-FR" dirty="0" smtClean="0"/>
+              <a:t>. Quelle ligne est intéressante dans ce fichier ? Que fait cette ligne ?</a:t>
+            </a:r>
+          </a:p>
+          <a:p>
+            <a:pPr marL="342900" indent="-342900">
+              <a:buFont typeface="+mj-lt"/>
+              <a:buAutoNum type="arabicPeriod"/>
+            </a:pPr>
+            <a:endParaRPr lang="fr-FR" dirty="0"/>
+          </a:p>
+          <a:p>
+            <a:pPr marL="342900" indent="-342900">
+              <a:buFont typeface="+mj-lt"/>
+              <a:buAutoNum type="arabicPeriod"/>
+            </a:pPr>
+            <a:r>
+              <a:rPr lang="fr-FR" dirty="0" smtClean="0"/>
+              <a:t>Sélectionner le fichier et l’</a:t>
+            </a:r>
+            <a:r>
+              <a:rPr lang="fr-FR" dirty="0" err="1" smtClean="0"/>
+              <a:t>upload</a:t>
+            </a:r>
+            <a:r>
+              <a:rPr lang="fr-FR" dirty="0" smtClean="0"/>
+              <a:t> sur le site web, que constatez-vous ?</a:t>
+            </a:r>
+          </a:p>
+          <a:p>
+            <a:pPr marL="342900" indent="-342900">
+              <a:buFont typeface="+mj-lt"/>
+              <a:buAutoNum type="arabicPeriod"/>
+            </a:pPr>
+            <a:endParaRPr lang="fr-FR" dirty="0"/>
+          </a:p>
+          <a:p>
+            <a:pPr marL="342900" indent="-342900">
+              <a:buFont typeface="+mj-lt"/>
+              <a:buAutoNum type="arabicPeriod"/>
+            </a:pPr>
+            <a:r>
+              <a:rPr lang="fr-FR" dirty="0" smtClean="0"/>
+              <a:t>D’après vous, quelle niveau de risque donneriez vous à la vulnérabilité ? (LOW / MEDIUM / HIGH / CRITICAL)</a:t>
+            </a:r>
+          </a:p>
+          <a:p>
+            <a:pPr marL="342900" indent="-342900">
+              <a:buFont typeface="+mj-lt"/>
+              <a:buAutoNum type="arabicPeriod"/>
+            </a:pPr>
+            <a:endParaRPr lang="fr-FR" dirty="0"/>
+          </a:p>
+          <a:p>
+            <a:pPr marL="342900" indent="-342900">
+              <a:buFont typeface="+mj-lt"/>
+              <a:buAutoNum type="arabicPeriod"/>
+            </a:pPr>
+            <a:r>
+              <a:rPr lang="fr-FR" dirty="0" smtClean="0"/>
+              <a:t>Créer un « </a:t>
+            </a:r>
+            <a:r>
+              <a:rPr lang="fr-FR" dirty="0" err="1" smtClean="0"/>
+              <a:t>repository</a:t>
+            </a:r>
+            <a:r>
+              <a:rPr lang="fr-FR" dirty="0" smtClean="0"/>
+              <a:t> » sur votre compte </a:t>
+            </a:r>
+            <a:r>
+              <a:rPr lang="fr-FR" dirty="0" err="1" smtClean="0"/>
+              <a:t>github</a:t>
+            </a:r>
+            <a:r>
+              <a:rPr lang="fr-FR" dirty="0" smtClean="0"/>
+              <a:t> et activer dans settings =&gt; Code </a:t>
+            </a:r>
+            <a:r>
+              <a:rPr lang="fr-FR" dirty="0" err="1" smtClean="0"/>
+              <a:t>security</a:t>
+            </a:r>
+            <a:r>
+              <a:rPr lang="fr-FR" dirty="0" smtClean="0"/>
+              <a:t> and </a:t>
+            </a:r>
+            <a:r>
+              <a:rPr lang="fr-FR" dirty="0" err="1" smtClean="0"/>
+              <a:t>analysis</a:t>
+            </a:r>
+            <a:r>
+              <a:rPr lang="fr-FR" dirty="0" smtClean="0"/>
+              <a:t> =&gt; </a:t>
+            </a:r>
+            <a:r>
+              <a:rPr lang="fr-FR" dirty="0" err="1" smtClean="0"/>
+              <a:t>Dependabot</a:t>
+            </a:r>
+            <a:r>
+              <a:rPr lang="fr-FR" dirty="0" smtClean="0"/>
+              <a:t> </a:t>
+            </a:r>
+            <a:r>
+              <a:rPr lang="fr-FR" dirty="0" err="1" smtClean="0"/>
+              <a:t>alerts</a:t>
+            </a:r>
+            <a:r>
+              <a:rPr lang="fr-FR" dirty="0" smtClean="0"/>
+              <a:t>. </a:t>
+            </a:r>
+          </a:p>
+          <a:p>
+            <a:pPr marL="342900" indent="-342900">
+              <a:buFont typeface="+mj-lt"/>
+              <a:buAutoNum type="arabicPeriod"/>
+            </a:pPr>
+            <a:endParaRPr lang="fr-FR" dirty="0"/>
+          </a:p>
+          <a:p>
+            <a:pPr marL="342900" indent="-342900">
+              <a:buFont typeface="+mj-lt"/>
+              <a:buAutoNum type="arabicPeriod"/>
+            </a:pPr>
+            <a:r>
+              <a:rPr lang="fr-FR" dirty="0" smtClean="0"/>
+              <a:t>Déposer </a:t>
+            </a:r>
+            <a:r>
+              <a:rPr lang="fr-FR" dirty="0"/>
+              <a:t>les fichiers dans le </a:t>
+            </a:r>
+            <a:r>
+              <a:rPr lang="fr-FR" dirty="0" err="1" smtClean="0"/>
+              <a:t>repository</a:t>
+            </a:r>
+            <a:r>
+              <a:rPr lang="fr-FR" dirty="0" smtClean="0"/>
+              <a:t> et observer l’onglet « Security »</a:t>
+            </a:r>
+          </a:p>
+          <a:p>
+            <a:pPr marL="342900" indent="-342900">
+              <a:buFont typeface="+mj-lt"/>
+              <a:buAutoNum type="arabicPeriod"/>
+            </a:pPr>
+            <a:endParaRPr lang="fr-FR" dirty="0"/>
+          </a:p>
+          <a:p>
+            <a:pPr marL="342900" indent="-342900">
+              <a:buFont typeface="+mj-lt"/>
+              <a:buAutoNum type="arabicPeriod"/>
+            </a:pPr>
+            <a:r>
+              <a:rPr lang="fr-FR" dirty="0"/>
+              <a:t>Quel est le composant vulnérable ?</a:t>
+            </a:r>
+          </a:p>
+          <a:p>
+            <a:pPr marL="342900" indent="-342900">
+              <a:buFont typeface="+mj-lt"/>
+              <a:buAutoNum type="arabicPeriod"/>
+            </a:pPr>
+            <a:endParaRPr lang="fr-FR" dirty="0" smtClean="0"/>
+          </a:p>
+          <a:p>
+            <a:pPr marL="342900" indent="-342900">
+              <a:buFont typeface="+mj-lt"/>
+              <a:buAutoNum type="arabicPeriod"/>
+            </a:pPr>
+            <a:endParaRPr lang="fr-FR" dirty="0"/>
+          </a:p>
+          <a:p>
+            <a:pPr marL="342900" indent="-342900">
+              <a:buFont typeface="+mj-lt"/>
+              <a:buAutoNum type="arabicPeriod"/>
+            </a:pPr>
+            <a:endParaRPr lang="fr-FR" dirty="0"/>
+          </a:p>
+        </p:txBody>
+      </p:sp>
+      <p:sp>
+        <p:nvSpPr>
+          <p:cNvPr id="4" name="Espace réservé du numéro de diapositive 3"/>
+          <p:cNvSpPr>
+            <a:spLocks noGrp="1"/>
+          </p:cNvSpPr>
+          <p:nvPr>
+            <p:ph type="sldNum" sz="quarter" idx="4"/>
+          </p:nvPr>
+        </p:nvSpPr>
+        <p:spPr/>
+        <p:txBody>
+          <a:bodyPr/>
+          <a:lstStyle/>
+          <a:p>
+            <a:pPr>
               <a:defRPr/>
             </a:pPr>
             <a:fld id="{F4FEB08F-923E-484A-9FC5-0AA7BDA29BD6}" type="slidenum">
-              <a:rPr kumimoji="0" lang="fr-FR" sz="1200" b="0" i="0" u="none" strike="noStrike" kern="1200" cap="none" spc="0" normalizeH="0" baseline="0" noProof="0" smtClean="0">
-                <a:ln>
-                  <a:noFill/>
-                </a:ln>
-                <a:solidFill>
-                  <a:srgbClr val="002060"/>
-                </a:solidFill>
-                <a:effectLst/>
-                <a:uLnTx/>
-                <a:uFillTx/>
-                <a:latin typeface="Segoe UI"/>
-                <a:ea typeface="+mn-ea"/>
-                <a:cs typeface="Browallia New" panose="020B0604020202020204" pitchFamily="34" charset="-34"/>
-              </a:rPr>
-              <a:pPr marL="0" marR="0" lvl="0" indent="0" algn="r" defTabSz="914400" rtl="0" eaLnBrk="1" fontAlgn="auto" latinLnBrk="0" hangingPunct="1">
-                <a:lnSpc>
-                  <a:spcPct val="100000"/>
-                </a:lnSpc>
-                <a:spcBef>
-                  <a:spcPts val="0"/>
-                </a:spcBef>
-                <a:spcAft>
-                  <a:spcPts val="0"/>
-                </a:spcAft>
-                <a:buClrTx/>
-                <a:buSzTx/>
-                <a:buFontTx/>
-                <a:buNone/>
-                <a:tabLst/>
+              <a:rPr lang="fr-FR" smtClean="0"/>
+              <a:pPr>
                 <a:defRPr/>
               </a:pPr>
               <a:t>9</a:t>
             </a:fld>
-            <a:endParaRPr kumimoji="0" lang="fr-FR" sz="1200" b="0" i="0" u="none" strike="noStrike" kern="1200" cap="none" spc="0" normalizeH="0" baseline="0" noProof="0" dirty="0">
-              <a:ln>
-                <a:noFill/>
-              </a:ln>
-              <a:solidFill>
-                <a:srgbClr val="002060"/>
-              </a:solidFill>
-              <a:effectLst/>
-              <a:uLnTx/>
-              <a:uFillTx/>
-              <a:latin typeface="Segoe UI"/>
-              <a:ea typeface="+mn-ea"/>
-              <a:cs typeface="Browallia New" panose="020B0604020202020204" pitchFamily="34" charset="-34"/>
-            </a:endParaRPr>
-          </a:p>
-        </p:txBody>
-      </p:sp>
-      <p:sp>
-        <p:nvSpPr>
-          <p:cNvPr id="4" name="Espace réservé du pied de page 3"/>
-          <p:cNvSpPr>
-            <a:spLocks noGrp="1"/>
-          </p:cNvSpPr>
-          <p:nvPr>
-            <p:ph type="ftr" sz="quarter" idx="4294967295"/>
-          </p:nvPr>
-        </p:nvSpPr>
-        <p:spPr>
-          <a:xfrm>
-            <a:off x="0" y="6435725"/>
-            <a:ext cx="5672138" cy="365125"/>
-          </a:xfrm>
-        </p:spPr>
+            <a:endParaRPr lang="fr-FR" dirty="0"/>
+          </a:p>
+        </p:txBody>
+      </p:sp>
+      <p:sp>
+        <p:nvSpPr>
+          <p:cNvPr id="5" name="Espace réservé du pied de page 4"/>
+          <p:cNvSpPr>
+            <a:spLocks noGrp="1"/>
+          </p:cNvSpPr>
+          <p:nvPr>
+            <p:ph type="ftr" sz="quarter" idx="3"/>
+          </p:nvPr>
+        </p:nvSpPr>
+        <p:spPr/>
         <p:txBody>
           <a:bodyPr/>
           <a:lstStyle/>
           <a:p>
-            <a:pPr marL="0" marR="0" lvl="0" indent="0" algn="l" defTabSz="914400" rtl="0" eaLnBrk="1" fontAlgn="auto" latinLnBrk="0" hangingPunct="1">
-              <a:lnSpc>
-                <a:spcPct val="100000"/>
-              </a:lnSpc>
-              <a:spcBef>
-                <a:spcPts val="0"/>
-              </a:spcBef>
-              <a:spcAft>
-                <a:spcPts val="0"/>
-              </a:spcAft>
-              <a:buClrTx/>
-              <a:buSzTx/>
-              <a:buFontTx/>
-              <a:buNone/>
-              <a:tabLst/>
-              <a:defRPr/>
-            </a:pPr>
-            <a:r>
-              <a:rPr kumimoji="0" lang="en-US" sz="1200" b="0" i="0" u="none" strike="noStrike" kern="1200" cap="none" spc="0" normalizeH="0" baseline="0" noProof="0" smtClean="0">
-                <a:ln>
-                  <a:noFill/>
-                </a:ln>
-                <a:solidFill>
-                  <a:srgbClr val="002060"/>
-                </a:solidFill>
-                <a:effectLst/>
-                <a:uLnTx/>
-                <a:uFillTx/>
-                <a:latin typeface="Segoe UI"/>
-                <a:ea typeface="+mn-ea"/>
-                <a:cs typeface="Browallia New" panose="020B0604020202020204" pitchFamily="34" charset="-34"/>
-              </a:rPr>
+            <a:r>
+              <a:rPr lang="fr-FR" smtClean="0"/>
               <a:t>2024 | ©HeadMind Partners Cyber Risk &amp; Security </a:t>
             </a:r>
-            <a:endParaRPr kumimoji="0" lang="fr-FR" sz="1200" b="0" i="0" u="none" strike="noStrike" kern="1200" cap="none" spc="0" normalizeH="0" baseline="0" noProof="0" dirty="0">
-              <a:ln>
-                <a:noFill/>
-              </a:ln>
-              <a:solidFill>
-                <a:srgbClr val="002060"/>
-              </a:solidFill>
-              <a:effectLst/>
-              <a:uLnTx/>
-              <a:uFillTx/>
-              <a:latin typeface="Segoe UI"/>
-              <a:ea typeface="+mn-ea"/>
-              <a:cs typeface="Browallia New" panose="020B0604020202020204" pitchFamily="34" charset="-34"/>
-            </a:endParaRPr>
-          </a:p>
-        </p:txBody>
-      </p:sp>
-      <p:sp>
-        <p:nvSpPr>
-          <p:cNvPr id="6" name="Rectangle 5"/>
-          <p:cNvSpPr/>
-          <p:nvPr/>
-        </p:nvSpPr>
-        <p:spPr>
-          <a:xfrm>
-            <a:off x="5064782" y="1013948"/>
-            <a:ext cx="6695090" cy="3447098"/>
-          </a:xfrm>
-          <a:prstGeom prst="rect">
-            <a:avLst/>
-          </a:prstGeom>
-        </p:spPr>
-        <p:txBody>
-          <a:bodyPr wrap="square">
-            <a:spAutoFit/>
-          </a:bodyPr>
-          <a:lstStyle/>
-          <a:p>
-            <a:pPr algn="ctr"/>
-            <a:r>
-              <a:rPr lang="fr-FR" dirty="0" smtClean="0">
-                <a:solidFill>
-                  <a:schemeClr val="bg1"/>
-                </a:solidFill>
-              </a:rPr>
-              <a:t>Le </a:t>
-            </a:r>
-            <a:r>
-              <a:rPr lang="fr-FR" dirty="0">
-                <a:solidFill>
-                  <a:schemeClr val="bg1"/>
-                </a:solidFill>
-              </a:rPr>
-              <a:t>DevOps combine les principes Agiles, CI/CD et une collaboration continue pour améliorer la qualité et la rapidité des livraisons logicielles</a:t>
-            </a:r>
-            <a:r>
-              <a:rPr lang="fr-FR" dirty="0" smtClean="0">
-                <a:solidFill>
-                  <a:schemeClr val="bg1"/>
-                </a:solidFill>
-              </a:rPr>
-              <a:t>.</a:t>
-            </a:r>
-          </a:p>
-          <a:p>
-            <a:pPr algn="ctr"/>
-            <a:endParaRPr lang="fr-FR" dirty="0">
-              <a:solidFill>
-                <a:schemeClr val="bg1"/>
-              </a:solidFill>
-            </a:endParaRPr>
-          </a:p>
-          <a:p>
-            <a:r>
-              <a:rPr lang="fr-FR" dirty="0" smtClean="0">
-                <a:solidFill>
-                  <a:schemeClr val="bg1"/>
-                </a:solidFill>
-              </a:rPr>
-              <a:t>- </a:t>
-            </a:r>
-            <a:r>
-              <a:rPr lang="fr-FR" b="1" dirty="0" smtClean="0">
-                <a:solidFill>
-                  <a:schemeClr val="bg1"/>
-                </a:solidFill>
-              </a:rPr>
-              <a:t>Objectif </a:t>
-            </a:r>
-            <a:r>
-              <a:rPr lang="fr-FR" b="1" dirty="0">
-                <a:solidFill>
-                  <a:schemeClr val="bg1"/>
-                </a:solidFill>
-              </a:rPr>
-              <a:t>Final: </a:t>
-            </a:r>
-            <a:r>
-              <a:rPr lang="fr-FR" dirty="0">
-                <a:solidFill>
-                  <a:schemeClr val="bg1"/>
-                </a:solidFill>
-              </a:rPr>
-              <a:t>Fournir des </a:t>
-            </a:r>
-            <a:r>
-              <a:rPr lang="fr-FR" dirty="0" smtClean="0">
-                <a:solidFill>
-                  <a:schemeClr val="bg1"/>
-                </a:solidFill>
-              </a:rPr>
-              <a:t>applications </a:t>
-            </a:r>
-            <a:r>
-              <a:rPr lang="fr-FR" dirty="0">
-                <a:solidFill>
-                  <a:schemeClr val="bg1"/>
-                </a:solidFill>
-              </a:rPr>
-              <a:t>de haute qualité rapidement et efficacement</a:t>
-            </a:r>
-            <a:r>
-              <a:rPr lang="fr-FR" dirty="0" smtClean="0">
-                <a:solidFill>
-                  <a:schemeClr val="bg1"/>
-                </a:solidFill>
-              </a:rPr>
-              <a:t>.</a:t>
-            </a:r>
-          </a:p>
-          <a:p>
-            <a:endParaRPr lang="fr-FR" dirty="0">
-              <a:solidFill>
-                <a:schemeClr val="bg1"/>
-              </a:solidFill>
-            </a:endParaRPr>
-          </a:p>
-          <a:p>
-            <a:r>
-              <a:rPr lang="fr-FR" dirty="0">
-                <a:solidFill>
-                  <a:schemeClr val="bg1"/>
-                </a:solidFill>
-              </a:rPr>
-              <a:t>- </a:t>
-            </a:r>
-            <a:r>
-              <a:rPr lang="fr-FR" b="1" dirty="0">
-                <a:solidFill>
-                  <a:schemeClr val="bg1"/>
-                </a:solidFill>
-              </a:rPr>
-              <a:t>Impact: </a:t>
-            </a:r>
-            <a:r>
-              <a:rPr lang="fr-FR" dirty="0">
-                <a:solidFill>
-                  <a:schemeClr val="bg1"/>
-                </a:solidFill>
-              </a:rPr>
-              <a:t>Amélioration de la satisfaction client, performances de l'entreprise et innovation continue</a:t>
-            </a:r>
-          </a:p>
-          <a:p>
-            <a:pPr marL="0" marR="0" lvl="0" indent="0" algn="ctr" defTabSz="914400" rtl="0" eaLnBrk="1" fontAlgn="auto" latinLnBrk="0" hangingPunct="1">
-              <a:lnSpc>
-                <a:spcPct val="100000"/>
-              </a:lnSpc>
-              <a:spcBef>
-                <a:spcPts val="0"/>
-              </a:spcBef>
-              <a:spcAft>
-                <a:spcPts val="0"/>
-              </a:spcAft>
-              <a:buClrTx/>
-              <a:buSzTx/>
-              <a:buFontTx/>
-              <a:buNone/>
-              <a:tabLst/>
-              <a:defRPr/>
-            </a:pPr>
-            <a:endParaRPr kumimoji="0" lang="fr-FR" sz="2800" b="1" i="0" u="none" strike="noStrike" kern="1200" cap="none" spc="0" normalizeH="0" baseline="0" noProof="0" dirty="0" smtClean="0">
-              <a:ln>
-                <a:noFill/>
-              </a:ln>
-              <a:solidFill>
-                <a:srgbClr val="FFFFFF"/>
-              </a:solidFill>
-              <a:effectLst/>
-              <a:uLnTx/>
-              <a:uFillTx/>
-              <a:latin typeface="Segoe UI"/>
-              <a:ea typeface="+mn-ea"/>
-              <a:cs typeface="+mn-cs"/>
-            </a:endParaRPr>
-          </a:p>
-          <a:p>
-            <a:pPr algn="ctr">
-              <a:defRPr/>
-            </a:pPr>
-            <a:r>
-              <a:rPr lang="fr-FR" sz="2800" b="1" dirty="0">
-                <a:solidFill>
-                  <a:srgbClr val="FFFFFF"/>
-                </a:solidFill>
-              </a:rPr>
-              <a:t>Merci</a:t>
-            </a:r>
-            <a:r>
-              <a:rPr lang="fr-FR" sz="2800" b="1" dirty="0" smtClean="0">
-                <a:solidFill>
-                  <a:srgbClr val="FFFFFF"/>
-                </a:solidFill>
-              </a:rPr>
-              <a:t>!</a:t>
-            </a:r>
-            <a:endParaRPr lang="fr-FR" sz="2800" b="1" dirty="0">
-              <a:solidFill>
-                <a:srgbClr val="FFFFFF"/>
-              </a:solidFill>
-            </a:endParaRPr>
+            <a:endParaRPr lang="fr-FR" dirty="0"/>
           </a:p>
         </p:txBody>
       </p:sp>
     </p:spTree>
     <p:extLst>
       <p:ext uri="{BB962C8B-B14F-4D97-AF65-F5344CB8AC3E}">
-        <p14:creationId xmlns:p14="http://schemas.microsoft.com/office/powerpoint/2010/main" val="2722145534"/>
+        <p14:creationId xmlns:p14="http://schemas.microsoft.com/office/powerpoint/2010/main" val="2079546179"/>
       </p:ext>
     </p:extLst>
   </p:cSld>
   <p:clrMapOvr>
     <a:masterClrMapping/>
   </p:clrMapOvr>
+  <p:timing>
+    <p:tnLst>
+      <p:par>
+        <p:cTn id="1" dur="indefinite" restart="never" nodeType="tmRoot"/>
+      </p:par>
+    </p:tnLst>
+  </p:timing>
 </p:sld>
 </file>
 

--- a/Introduction au DevOps.pptx
+++ b/Introduction au DevOps.pptx
@@ -50943,6 +50943,40 @@
             <a:r>
               <a:rPr lang="fr-FR" dirty="0" err="1" smtClean="0"/>
               <a:t>DevSecOps</a:t>
+            </a:r>
+            <a:endParaRPr lang="fr-FR" dirty="0"/>
+          </a:p>
+        </p:txBody>
+      </p:sp>
+      <p:sp>
+        <p:nvSpPr>
+          <p:cNvPr id="3" name="ZoneTexte 2"/>
+          <p:cNvSpPr txBox="1"/>
+          <p:nvPr/>
+        </p:nvSpPr>
+        <p:spPr>
+          <a:xfrm>
+            <a:off x="4265980" y="4971393"/>
+            <a:ext cx="5666296" cy="369332"/>
+          </a:xfrm>
+          <a:prstGeom prst="rect">
+            <a:avLst/>
+          </a:prstGeom>
+          <a:noFill/>
+        </p:spPr>
+        <p:txBody>
+          <a:bodyPr wrap="square" rtlCol="0">
+            <a:spAutoFit/>
+          </a:bodyPr>
+          <a:lstStyle/>
+          <a:p>
+            <a:r>
+              <a:rPr lang="fr-FR" dirty="0" smtClean="0"/>
+              <a:t>Nicolas LE FEVRE - </a:t>
+            </a:r>
+            <a:r>
+              <a:rPr lang="fr-FR" smtClean="0"/>
+              <a:t>nicolas</a:t>
             </a:r>
             <a:endParaRPr lang="fr-FR" dirty="0"/>
           </a:p>

--- a/Introduction au DevOps.pptx
+++ b/Introduction au DevOps.pptx
@@ -50975,7 +50975,7 @@
               <a:t>Nicolas LE FEVRE - </a:t>
             </a:r>
             <a:r>
-              <a:rPr lang="fr-FR" smtClean="0"/>
+              <a:rPr lang="fr-FR" dirty="0" err="1" smtClean="0"/>
               <a:t>nicolas</a:t>
             </a:r>
             <a:endParaRPr lang="fr-FR" dirty="0"/>
